--- a/Poster.pptx
+++ b/Poster.pptx
@@ -678,6 +678,33 @@
         <p:txBody>
           <a:bodyPr/>
           <a:lstStyle/>
+          <a:p>
+            <a:pPr marL="0" marR="0" indent="0" algn="l" defTabSz="914400" rtl="0" eaLnBrk="1" fontAlgn="auto" latinLnBrk="0" hangingPunct="1">
+              <a:lnSpc>
+                <a:spcPct val="100000"/>
+              </a:lnSpc>
+              <a:spcBef>
+                <a:spcPts val="0"/>
+              </a:spcBef>
+              <a:spcAft>
+                <a:spcPts val="0"/>
+              </a:spcAft>
+              <a:buClrTx/>
+              <a:buSzTx/>
+              <a:buFontTx/>
+              <a:buNone/>
+              <a:tabLst/>
+              <a:defRPr/>
+            </a:pPr>
+            <a:r>
+              <a:rPr lang="en-US" sz="1200" dirty="0" smtClean="0"/>
+              <a:t>The distribution of age and gender for different user types showed that everyday customers were more centered at 30 years of age, probably utilizing bikes for work commute. </a:t>
+            </a:r>
+            <a:r>
+              <a:rPr lang="en-US" sz="1200" smtClean="0"/>
+              <a:t>On the other hand, subscribers had a wider range of customers from ages 25-40, probably utilizing bikes for leisure activities along with work commutes.</a:t>
+            </a:r>
+          </a:p>
           <a:p>
             <a:endParaRPr lang="en-US" dirty="0"/>
           </a:p>
@@ -4083,7 +4110,7 @@
           <p:cNvPr id="2" name="TextBox 1">
             <a:extLst>
               <a:ext uri="{FF2B5EF4-FFF2-40B4-BE49-F238E27FC236}">
-                <a16:creationId xmlns:a16="http://schemas.microsoft.com/office/drawing/2014/main" id="{8D075861-CAC4-F34D-96A3-AFBA13E774A1}"/>
+                <a16:creationId xmlns:a16="http://schemas.microsoft.com/office/drawing/2014/main" xmlns="" id="{8D075861-CAC4-F34D-96A3-AFBA13E774A1}"/>
               </a:ext>
             </a:extLst>
           </p:cNvPr>
@@ -4220,7 +4247,7 @@
           <p:cNvPr id="7" name="Picture 6">
             <a:extLst>
               <a:ext uri="{FF2B5EF4-FFF2-40B4-BE49-F238E27FC236}">
-                <a16:creationId xmlns:a16="http://schemas.microsoft.com/office/drawing/2014/main" id="{7ED4A03D-3E32-AC47-94D1-4581B87872EF}"/>
+                <a16:creationId xmlns:a16="http://schemas.microsoft.com/office/drawing/2014/main" xmlns="" id="{7ED4A03D-3E32-AC47-94D1-4581B87872EF}"/>
               </a:ext>
             </a:extLst>
           </p:cNvPr>
@@ -4256,7 +4283,7 @@
           <p:cNvPr id="9" name="Picture 8">
             <a:extLst>
               <a:ext uri="{FF2B5EF4-FFF2-40B4-BE49-F238E27FC236}">
-                <a16:creationId xmlns:a16="http://schemas.microsoft.com/office/drawing/2014/main" id="{CE77704B-4755-1540-864A-AC963EF681CD}"/>
+                <a16:creationId xmlns:a16="http://schemas.microsoft.com/office/drawing/2014/main" xmlns="" id="{CE77704B-4755-1540-864A-AC963EF681CD}"/>
               </a:ext>
             </a:extLst>
           </p:cNvPr>
@@ -4292,7 +4319,7 @@
           <p:cNvPr id="10" name="TextBox 9">
             <a:extLst>
               <a:ext uri="{FF2B5EF4-FFF2-40B4-BE49-F238E27FC236}">
-                <a16:creationId xmlns:a16="http://schemas.microsoft.com/office/drawing/2014/main" id="{F89764E2-C1F3-0247-AF2B-3FE9759A240B}"/>
+                <a16:creationId xmlns:a16="http://schemas.microsoft.com/office/drawing/2014/main" xmlns="" id="{F89764E2-C1F3-0247-AF2B-3FE9759A240B}"/>
               </a:ext>
             </a:extLst>
           </p:cNvPr>
@@ -4420,7 +4447,7 @@
           <p:cNvPr id="12" name="Picture 11">
             <a:extLst>
               <a:ext uri="{FF2B5EF4-FFF2-40B4-BE49-F238E27FC236}">
-                <a16:creationId xmlns:a16="http://schemas.microsoft.com/office/drawing/2014/main" id="{B88E0BD0-8F91-144F-A106-D2763279C3AB}"/>
+                <a16:creationId xmlns:a16="http://schemas.microsoft.com/office/drawing/2014/main" xmlns="" id="{B88E0BD0-8F91-144F-A106-D2763279C3AB}"/>
               </a:ext>
             </a:extLst>
           </p:cNvPr>
@@ -4456,7 +4483,7 @@
           <p:cNvPr id="14" name="Picture 13">
             <a:extLst>
               <a:ext uri="{FF2B5EF4-FFF2-40B4-BE49-F238E27FC236}">
-                <a16:creationId xmlns:a16="http://schemas.microsoft.com/office/drawing/2014/main" id="{ABF01E40-ABE8-FC45-894D-48BF420D660D}"/>
+                <a16:creationId xmlns:a16="http://schemas.microsoft.com/office/drawing/2014/main" xmlns="" id="{ABF01E40-ABE8-FC45-894D-48BF420D660D}"/>
               </a:ext>
             </a:extLst>
           </p:cNvPr>
@@ -4492,7 +4519,7 @@
           <p:cNvPr id="16" name="Picture 15">
             <a:extLst>
               <a:ext uri="{FF2B5EF4-FFF2-40B4-BE49-F238E27FC236}">
-                <a16:creationId xmlns:a16="http://schemas.microsoft.com/office/drawing/2014/main" id="{1A3029AD-CCBF-8B4F-BED8-49732E41F924}"/>
+                <a16:creationId xmlns:a16="http://schemas.microsoft.com/office/drawing/2014/main" xmlns="" id="{1A3029AD-CCBF-8B4F-BED8-49732E41F924}"/>
               </a:ext>
             </a:extLst>
           </p:cNvPr>
@@ -4528,7 +4555,7 @@
           <p:cNvPr id="18" name="Picture 17">
             <a:extLst>
               <a:ext uri="{FF2B5EF4-FFF2-40B4-BE49-F238E27FC236}">
-                <a16:creationId xmlns:a16="http://schemas.microsoft.com/office/drawing/2014/main" id="{2EDFB382-10BA-B24A-AF39-9C1A8830B6BE}"/>
+                <a16:creationId xmlns:a16="http://schemas.microsoft.com/office/drawing/2014/main" xmlns="" id="{2EDFB382-10BA-B24A-AF39-9C1A8830B6BE}"/>
               </a:ext>
             </a:extLst>
           </p:cNvPr>
@@ -4564,7 +4591,7 @@
           <p:cNvPr id="20" name="Picture 19">
             <a:extLst>
               <a:ext uri="{FF2B5EF4-FFF2-40B4-BE49-F238E27FC236}">
-                <a16:creationId xmlns:a16="http://schemas.microsoft.com/office/drawing/2014/main" id="{35E24188-E525-264B-85B5-9918CDB88DC9}"/>
+                <a16:creationId xmlns:a16="http://schemas.microsoft.com/office/drawing/2014/main" xmlns="" id="{35E24188-E525-264B-85B5-9918CDB88DC9}"/>
               </a:ext>
             </a:extLst>
           </p:cNvPr>
@@ -4600,7 +4627,7 @@
           <p:cNvPr id="22" name="Picture 21">
             <a:extLst>
               <a:ext uri="{FF2B5EF4-FFF2-40B4-BE49-F238E27FC236}">
-                <a16:creationId xmlns:a16="http://schemas.microsoft.com/office/drawing/2014/main" id="{E0CB499C-1BBA-8549-8500-90B345D355A6}"/>
+                <a16:creationId xmlns:a16="http://schemas.microsoft.com/office/drawing/2014/main" xmlns="" id="{E0CB499C-1BBA-8549-8500-90B345D355A6}"/>
               </a:ext>
             </a:extLst>
           </p:cNvPr>
@@ -4636,7 +4663,7 @@
           <p:cNvPr id="23" name="TextBox 22">
             <a:extLst>
               <a:ext uri="{FF2B5EF4-FFF2-40B4-BE49-F238E27FC236}">
-                <a16:creationId xmlns:a16="http://schemas.microsoft.com/office/drawing/2014/main" id="{37519259-B409-7343-8010-41FB6838ED5A}"/>
+                <a16:creationId xmlns:a16="http://schemas.microsoft.com/office/drawing/2014/main" xmlns="" id="{37519259-B409-7343-8010-41FB6838ED5A}"/>
               </a:ext>
             </a:extLst>
           </p:cNvPr>
@@ -4646,7 +4673,7 @@
         <p:spPr>
           <a:xfrm>
             <a:off x="30361224" y="25104823"/>
-            <a:ext cx="12940673" cy="2308324"/>
+            <a:ext cx="12940673" cy="4524315"/>
           </a:xfrm>
           <a:prstGeom prst="rect">
             <a:avLst/>
@@ -4684,12 +4711,24 @@
           </a:p>
           <a:p>
             <a:r>
-              <a:rPr lang="en-US" sz="4800" dirty="0">
-                <a:latin typeface="Open Sans" panose="020B0606030504020204" pitchFamily="34" charset="0"/>
-                <a:ea typeface="Open Sans" panose="020B0606030504020204" pitchFamily="34" charset="0"/>
-                <a:cs typeface="Open Sans" panose="020B0606030504020204" pitchFamily="34" charset="0"/>
-              </a:rPr>
-              <a:t>TEXT</a:t>
+              <a:rPr lang="en-US" sz="4800" dirty="0"/>
+              <a:t>By looking at bike usage data for each hour of each day, we found that users most frequently used the service during the rush hours of 8 </a:t>
+            </a:r>
+            <a:r>
+              <a:rPr lang="en-US" sz="4800" dirty="0" err="1"/>
+              <a:t>a.m</a:t>
+            </a:r>
+            <a:r>
+              <a:rPr lang="en-US" sz="4800" dirty="0"/>
+              <a:t> and 5 </a:t>
+            </a:r>
+            <a:r>
+              <a:rPr lang="en-US" sz="4800" dirty="0" err="1"/>
+              <a:t>p.m</a:t>
+            </a:r>
+            <a:r>
+              <a:rPr lang="en-US" sz="4800" dirty="0"/>
+              <a:t> during the weekdays. </a:t>
             </a:r>
           </a:p>
         </p:txBody>

--- a/Poster.pptx
+++ b/Poster.pptx
@@ -678,33 +678,6 @@
         <p:txBody>
           <a:bodyPr/>
           <a:lstStyle/>
-          <a:p>
-            <a:pPr marL="0" marR="0" indent="0" algn="l" defTabSz="914400" rtl="0" eaLnBrk="1" fontAlgn="auto" latinLnBrk="0" hangingPunct="1">
-              <a:lnSpc>
-                <a:spcPct val="100000"/>
-              </a:lnSpc>
-              <a:spcBef>
-                <a:spcPts val="0"/>
-              </a:spcBef>
-              <a:spcAft>
-                <a:spcPts val="0"/>
-              </a:spcAft>
-              <a:buClrTx/>
-              <a:buSzTx/>
-              <a:buFontTx/>
-              <a:buNone/>
-              <a:tabLst/>
-              <a:defRPr/>
-            </a:pPr>
-            <a:r>
-              <a:rPr lang="en-US" sz="1200" dirty="0" smtClean="0"/>
-              <a:t>The distribution of age and gender for different user types showed that everyday customers were more centered at 30 years of age, probably utilizing bikes for work commute. </a:t>
-            </a:r>
-            <a:r>
-              <a:rPr lang="en-US" sz="1200" smtClean="0"/>
-              <a:t>On the other hand, subscribers had a wider range of customers from ages 25-40, probably utilizing bikes for leisure activities along with work commutes.</a:t>
-            </a:r>
-          </a:p>
           <a:p>
             <a:endParaRPr lang="en-US" dirty="0"/>
           </a:p>
@@ -4110,7 +4083,7 @@
           <p:cNvPr id="2" name="TextBox 1">
             <a:extLst>
               <a:ext uri="{FF2B5EF4-FFF2-40B4-BE49-F238E27FC236}">
-                <a16:creationId xmlns:a16="http://schemas.microsoft.com/office/drawing/2014/main" xmlns="" id="{8D075861-CAC4-F34D-96A3-AFBA13E774A1}"/>
+                <a16:creationId xmlns:a16="http://schemas.microsoft.com/office/drawing/2014/main" id="{8D075861-CAC4-F34D-96A3-AFBA13E774A1}"/>
               </a:ext>
             </a:extLst>
           </p:cNvPr>
@@ -4119,8 +4092,8 @@
         </p:nvSpPr>
         <p:spPr>
           <a:xfrm>
-            <a:off x="670560" y="853440"/>
-            <a:ext cx="42489120" cy="3631763"/>
+            <a:off x="670560" y="465874"/>
+            <a:ext cx="42489120" cy="4093428"/>
           </a:xfrm>
           <a:prstGeom prst="rect">
             <a:avLst/>
@@ -4135,7 +4108,7 @@
           <a:p>
             <a:pPr algn="ctr"/>
             <a:r>
-              <a:rPr lang="en-US" sz="8800" dirty="0">
+              <a:rPr lang="en-US" sz="7200" b="1" dirty="0">
                 <a:solidFill>
                   <a:schemeClr val="bg1"/>
                 </a:solidFill>
@@ -4146,7 +4119,7 @@
               <a:t>Analysis of Ford </a:t>
             </a:r>
             <a:r>
-              <a:rPr lang="en-US" sz="8800" dirty="0" err="1">
+              <a:rPr lang="en-US" sz="7200" b="1" dirty="0" err="1">
                 <a:solidFill>
                   <a:schemeClr val="bg1"/>
                 </a:solidFill>
@@ -4157,7 +4130,7 @@
               <a:t>GoBike’s</a:t>
             </a:r>
             <a:r>
-              <a:rPr lang="en-US" sz="8800" dirty="0">
+              <a:rPr lang="en-US" sz="7200" b="1" dirty="0">
                 <a:solidFill>
                   <a:schemeClr val="bg1"/>
                 </a:solidFill>
@@ -4171,7 +4144,7 @@
           <a:p>
             <a:pPr algn="ctr"/>
             <a:r>
-              <a:rPr lang="en-US" sz="8800" dirty="0">
+              <a:rPr lang="en-US" sz="5400" dirty="0">
                 <a:solidFill>
                   <a:schemeClr val="bg1"/>
                 </a:solidFill>
@@ -4179,13 +4152,38 @@
                 <a:ea typeface="Open Sans" panose="020B0606030504020204" pitchFamily="34" charset="0"/>
                 <a:cs typeface="Open Sans" panose="020B0606030504020204" pitchFamily="34" charset="0"/>
               </a:rPr>
-              <a:t>Statistical Graphics and Visualization</a:t>
+              <a:t>36315: Statistical Graphics and Visualization</a:t>
             </a:r>
           </a:p>
           <a:p>
             <a:pPr algn="ctr"/>
             <a:r>
               <a:rPr lang="en-US" sz="5400" dirty="0">
+                <a:solidFill>
+                  <a:schemeClr val="bg1"/>
+                </a:solidFill>
+                <a:latin typeface="Open Sans" panose="020B0606030504020204" pitchFamily="34" charset="0"/>
+                <a:ea typeface="Open Sans" panose="020B0606030504020204" pitchFamily="34" charset="0"/>
+                <a:cs typeface="Open Sans" panose="020B0606030504020204" pitchFamily="34" charset="0"/>
+              </a:rPr>
+              <a:t>Carnegie Mellon University</a:t>
+            </a:r>
+          </a:p>
+          <a:p>
+            <a:pPr algn="ctr"/>
+            <a:endParaRPr lang="en-US" sz="4000" dirty="0">
+              <a:solidFill>
+                <a:schemeClr val="bg1"/>
+              </a:solidFill>
+              <a:latin typeface="Open Sans" panose="020B0606030504020204" pitchFamily="34" charset="0"/>
+              <a:ea typeface="Open Sans" panose="020B0606030504020204" pitchFamily="34" charset="0"/>
+              <a:cs typeface="Open Sans" panose="020B0606030504020204" pitchFamily="34" charset="0"/>
+            </a:endParaRPr>
+          </a:p>
+          <a:p>
+            <a:pPr algn="ctr"/>
+            <a:r>
+              <a:rPr lang="en-US" sz="4000" dirty="0">
                 <a:solidFill>
                   <a:schemeClr val="bg1"/>
                 </a:solidFill>
@@ -4196,7 +4194,7 @@
               <a:t>Ross </a:t>
             </a:r>
             <a:r>
-              <a:rPr lang="en-US" sz="5400" dirty="0" err="1">
+              <a:rPr lang="en-US" sz="4000" dirty="0" err="1">
                 <a:solidFill>
                   <a:schemeClr val="bg1"/>
                 </a:solidFill>
@@ -4207,7 +4205,7 @@
               <a:t>Hemmel</a:t>
             </a:r>
             <a:r>
-              <a:rPr lang="en-US" sz="5400" dirty="0">
+              <a:rPr lang="en-US" sz="4000" dirty="0">
                 <a:solidFill>
                   <a:schemeClr val="bg1"/>
                 </a:solidFill>
@@ -4218,7 +4216,7 @@
               <a:t>, Joshua Huang, Julie Kim, </a:t>
             </a:r>
             <a:r>
-              <a:rPr lang="en-US" sz="5400" dirty="0" err="1">
+              <a:rPr lang="en-US" sz="4000" dirty="0" err="1">
                 <a:solidFill>
                   <a:schemeClr val="bg1"/>
                 </a:solidFill>
@@ -4229,7 +4227,7 @@
               <a:t>Jinhee</a:t>
             </a:r>
             <a:r>
-              <a:rPr lang="en-US" sz="5400" dirty="0">
+              <a:rPr lang="en-US" sz="4000" dirty="0">
                 <a:solidFill>
                   <a:schemeClr val="bg1"/>
                 </a:solidFill>
@@ -4247,7 +4245,7 @@
           <p:cNvPr id="7" name="Picture 6">
             <a:extLst>
               <a:ext uri="{FF2B5EF4-FFF2-40B4-BE49-F238E27FC236}">
-                <a16:creationId xmlns:a16="http://schemas.microsoft.com/office/drawing/2014/main" xmlns="" id="{7ED4A03D-3E32-AC47-94D1-4581B87872EF}"/>
+                <a16:creationId xmlns:a16="http://schemas.microsoft.com/office/drawing/2014/main" id="{7ED4A03D-3E32-AC47-94D1-4581B87872EF}"/>
               </a:ext>
             </a:extLst>
           </p:cNvPr>
@@ -4283,7 +4281,7 @@
           <p:cNvPr id="9" name="Picture 8">
             <a:extLst>
               <a:ext uri="{FF2B5EF4-FFF2-40B4-BE49-F238E27FC236}">
-                <a16:creationId xmlns:a16="http://schemas.microsoft.com/office/drawing/2014/main" xmlns="" id="{CE77704B-4755-1540-864A-AC963EF681CD}"/>
+                <a16:creationId xmlns:a16="http://schemas.microsoft.com/office/drawing/2014/main" id="{CE77704B-4755-1540-864A-AC963EF681CD}"/>
               </a:ext>
             </a:extLst>
           </p:cNvPr>
@@ -4306,7 +4304,7 @@
         </p:blipFill>
         <p:spPr>
           <a:xfrm>
-            <a:off x="4556760" y="853440"/>
+            <a:off x="39784261" y="853440"/>
             <a:ext cx="3255264" cy="3255264"/>
           </a:xfrm>
           <a:prstGeom prst="rect">
@@ -4319,7 +4317,7 @@
           <p:cNvPr id="10" name="TextBox 9">
             <a:extLst>
               <a:ext uri="{FF2B5EF4-FFF2-40B4-BE49-F238E27FC236}">
-                <a16:creationId xmlns:a16="http://schemas.microsoft.com/office/drawing/2014/main" xmlns="" id="{F89764E2-C1F3-0247-AF2B-3FE9759A240B}"/>
+                <a16:creationId xmlns:a16="http://schemas.microsoft.com/office/drawing/2014/main" id="{F89764E2-C1F3-0247-AF2B-3FE9759A240B}"/>
               </a:ext>
             </a:extLst>
           </p:cNvPr>
@@ -4328,14 +4326,14 @@
         </p:nvSpPr>
         <p:spPr>
           <a:xfrm>
-            <a:off x="670560" y="5730240"/>
-            <a:ext cx="17129758" cy="8956298"/>
+            <a:off x="553119" y="6265267"/>
+            <a:ext cx="10696623" cy="8956298"/>
           </a:xfrm>
           <a:prstGeom prst="rect">
             <a:avLst/>
           </a:prstGeom>
           <a:noFill/>
-          <a:ln w="82550">
+          <a:ln w="12700">
             <a:noFill/>
           </a:ln>
         </p:spPr>
@@ -4345,29 +4343,9 @@
           </a:bodyPr>
           <a:lstStyle/>
           <a:p>
-            <a:pPr algn="ctr"/>
-            <a:r>
-              <a:rPr lang="en-US" sz="4800" b="1" dirty="0">
-                <a:solidFill>
-                  <a:schemeClr val="accent1"/>
-                </a:solidFill>
-                <a:latin typeface="Open Sans" panose="020B0606030504020204" pitchFamily="34" charset="0"/>
-                <a:ea typeface="Open Sans" panose="020B0606030504020204" pitchFamily="34" charset="0"/>
-                <a:cs typeface="Open Sans" panose="020B0606030504020204" pitchFamily="34" charset="0"/>
-              </a:rPr>
-              <a:t>Background</a:t>
-            </a:r>
-          </a:p>
-          <a:p>
-            <a:endParaRPr lang="en-US" sz="4800" dirty="0">
-              <a:latin typeface="Open Sans" panose="020B0606030504020204" pitchFamily="34" charset="0"/>
-              <a:ea typeface="Open Sans" panose="020B0606030504020204" pitchFamily="34" charset="0"/>
-              <a:cs typeface="Open Sans" panose="020B0606030504020204" pitchFamily="34" charset="0"/>
-            </a:endParaRPr>
-          </a:p>
-          <a:p>
-            <a:r>
-              <a:rPr lang="en-US" sz="4800" dirty="0">
+            <a:pPr algn="just"/>
+            <a:r>
+              <a:rPr lang="en-US" sz="3600" dirty="0">
                 <a:latin typeface="Open Sans" panose="020B0606030504020204" pitchFamily="34" charset="0"/>
                 <a:ea typeface="Open Sans" panose="020B0606030504020204" pitchFamily="34" charset="0"/>
                 <a:cs typeface="Open Sans" panose="020B0606030504020204" pitchFamily="34" charset="0"/>
@@ -4375,7 +4353,7 @@
               <a:t>Ford’s </a:t>
             </a:r>
             <a:r>
-              <a:rPr lang="en-US" sz="4800" dirty="0" err="1">
+              <a:rPr lang="en-US" sz="3600" dirty="0" err="1">
                 <a:latin typeface="Open Sans" panose="020B0606030504020204" pitchFamily="34" charset="0"/>
                 <a:ea typeface="Open Sans" panose="020B0606030504020204" pitchFamily="34" charset="0"/>
                 <a:cs typeface="Open Sans" panose="020B0606030504020204" pitchFamily="34" charset="0"/>
@@ -4383,15 +4361,34 @@
               <a:t>GoBike</a:t>
             </a:r>
             <a:r>
-              <a:rPr lang="en-US" sz="4800" dirty="0">
+              <a:rPr lang="en-US" sz="3600" dirty="0">
                 <a:latin typeface="Open Sans" panose="020B0606030504020204" pitchFamily="34" charset="0"/>
                 <a:ea typeface="Open Sans" panose="020B0606030504020204" pitchFamily="34" charset="0"/>
                 <a:cs typeface="Open Sans" panose="020B0606030504020204" pitchFamily="34" charset="0"/>
               </a:rPr>
-              <a:t> program provides an affordable bike-rental system in the San Francisco Bay Area. Users can either pay one-time or membership fees in order to take bikes from station A and ride them anywhere they please, returning them to station A or to any other </a:t>
-            </a:r>
-            <a:r>
-              <a:rPr lang="en-US" sz="4800" dirty="0" err="1">
+              <a:t> program provides an affordable bike-rental system in the San Francisco Bay Area. Users can either pay one-time or membership fees in order to borrow bikes from any station, and return them to any station. </a:t>
+            </a:r>
+          </a:p>
+          <a:p>
+            <a:pPr algn="just"/>
+            <a:endParaRPr lang="en-US" sz="3600" dirty="0">
+              <a:latin typeface="Open Sans" panose="020B0606030504020204" pitchFamily="34" charset="0"/>
+              <a:ea typeface="Open Sans" panose="020B0606030504020204" pitchFamily="34" charset="0"/>
+              <a:cs typeface="Open Sans" panose="020B0606030504020204" pitchFamily="34" charset="0"/>
+            </a:endParaRPr>
+          </a:p>
+          <a:p>
+            <a:pPr algn="just"/>
+            <a:r>
+              <a:rPr lang="en-US" sz="3600" dirty="0">
+                <a:latin typeface="Open Sans" panose="020B0606030504020204" pitchFamily="34" charset="0"/>
+                <a:ea typeface="Open Sans" panose="020B0606030504020204" pitchFamily="34" charset="0"/>
+                <a:cs typeface="Open Sans" panose="020B0606030504020204" pitchFamily="34" charset="0"/>
+              </a:rPr>
+              <a:t>With the open-source data that Ford </a:t>
+            </a:r>
+            <a:r>
+              <a:rPr lang="en-US" sz="3600" dirty="0" err="1">
                 <a:latin typeface="Open Sans" panose="020B0606030504020204" pitchFamily="34" charset="0"/>
                 <a:ea typeface="Open Sans" panose="020B0606030504020204" pitchFamily="34" charset="0"/>
                 <a:cs typeface="Open Sans" panose="020B0606030504020204" pitchFamily="34" charset="0"/>
@@ -4399,55 +4396,310 @@
               <a:t>GoBike</a:t>
             </a:r>
             <a:r>
-              <a:rPr lang="en-US" sz="4800" dirty="0">
+              <a:rPr lang="en-US" sz="3600" dirty="0">
                 <a:latin typeface="Open Sans" panose="020B0606030504020204" pitchFamily="34" charset="0"/>
                 <a:ea typeface="Open Sans" panose="020B0606030504020204" pitchFamily="34" charset="0"/>
                 <a:cs typeface="Open Sans" panose="020B0606030504020204" pitchFamily="34" charset="0"/>
               </a:rPr>
-              <a:t> station.</a:t>
-            </a:r>
-          </a:p>
-          <a:p>
-            <a:endParaRPr lang="en-US" sz="4800" dirty="0">
+              <a:t> offers on their website, we are looking to use statistical visualization in order to gain insight on customer demographics and biking behaviors. Our map base is pulled from </a:t>
+            </a:r>
+            <a:r>
+              <a:rPr lang="en-US" sz="3600" dirty="0" err="1">
+                <a:latin typeface="Open Sans" panose="020B0606030504020204" pitchFamily="34" charset="0"/>
+                <a:ea typeface="Open Sans" panose="020B0606030504020204" pitchFamily="34" charset="0"/>
+                <a:cs typeface="Open Sans" panose="020B0606030504020204" pitchFamily="34" charset="0"/>
+              </a:rPr>
+              <a:t>Google.com</a:t>
+            </a:r>
+            <a:r>
+              <a:rPr lang="en-US" sz="3600" dirty="0">
+                <a:latin typeface="Open Sans" panose="020B0606030504020204" pitchFamily="34" charset="0"/>
+                <a:ea typeface="Open Sans" panose="020B0606030504020204" pitchFamily="34" charset="0"/>
+                <a:cs typeface="Open Sans" panose="020B0606030504020204" pitchFamily="34" charset="0"/>
+              </a:rPr>
+              <a:t>. </a:t>
+            </a:r>
+          </a:p>
+          <a:p>
+            <a:pPr algn="just"/>
+            <a:endParaRPr lang="en-US" sz="3600" dirty="0">
               <a:latin typeface="Open Sans" panose="020B0606030504020204" pitchFamily="34" charset="0"/>
               <a:ea typeface="Open Sans" panose="020B0606030504020204" pitchFamily="34" charset="0"/>
               <a:cs typeface="Open Sans" panose="020B0606030504020204" pitchFamily="34" charset="0"/>
             </a:endParaRPr>
           </a:p>
           <a:p>
-            <a:r>
-              <a:rPr lang="en-US" sz="4800" dirty="0">
+            <a:pPr algn="just"/>
+            <a:r>
+              <a:rPr lang="en-US" sz="3600" dirty="0">
                 <a:latin typeface="Open Sans" panose="020B0606030504020204" pitchFamily="34" charset="0"/>
                 <a:ea typeface="Open Sans" panose="020B0606030504020204" pitchFamily="34" charset="0"/>
                 <a:cs typeface="Open Sans" panose="020B0606030504020204" pitchFamily="34" charset="0"/>
               </a:rPr>
-              <a:t>With the open-source data that Ford </a:t>
-            </a:r>
-            <a:r>
-              <a:rPr lang="en-US" sz="4800" dirty="0" err="1">
+              <a:t>The data involved was collected starting in June of 2017, and  includes variables such as bike station geo-coordinates, trip start and end times, member types, and member characteristics. </a:t>
+            </a:r>
+          </a:p>
+        </p:txBody>
+      </p:sp>
+      <p:sp>
+        <p:nvSpPr>
+          <p:cNvPr id="8" name="TextBox 7">
+            <a:extLst>
+              <a:ext uri="{FF2B5EF4-FFF2-40B4-BE49-F238E27FC236}">
+                <a16:creationId xmlns:a16="http://schemas.microsoft.com/office/drawing/2014/main" id="{24D71F50-AA04-B74C-B9DC-F537098EFBB7}"/>
+              </a:ext>
+            </a:extLst>
+          </p:cNvPr>
+          <p:cNvSpPr txBox="1"/>
+          <p:nvPr/>
+        </p:nvSpPr>
+        <p:spPr>
+          <a:xfrm>
+            <a:off x="11936008" y="23690476"/>
+            <a:ext cx="17412742" cy="769441"/>
+          </a:xfrm>
+          <a:prstGeom prst="rect">
+            <a:avLst/>
+          </a:prstGeom>
+          <a:solidFill>
+            <a:srgbClr val="16406B"/>
+          </a:solidFill>
+        </p:spPr>
+        <p:txBody>
+          <a:bodyPr wrap="square" rtlCol="0">
+            <a:spAutoFit/>
+          </a:bodyPr>
+          <a:lstStyle/>
+          <a:p>
+            <a:pPr algn="ctr"/>
+            <a:r>
+              <a:rPr lang="en-US" sz="4400" b="1" dirty="0">
+                <a:solidFill>
+                  <a:schemeClr val="bg1"/>
+                </a:solidFill>
                 <a:latin typeface="Open Sans" panose="020B0606030504020204" pitchFamily="34" charset="0"/>
                 <a:ea typeface="Open Sans" panose="020B0606030504020204" pitchFamily="34" charset="0"/>
                 <a:cs typeface="Open Sans" panose="020B0606030504020204" pitchFamily="34" charset="0"/>
               </a:rPr>
-              <a:t>GoBike</a:t>
-            </a:r>
-            <a:r>
-              <a:rPr lang="en-US" sz="4800" dirty="0">
+              <a:t>FINDINGS</a:t>
+            </a:r>
+            <a:endParaRPr lang="en-US" sz="4400" dirty="0">
+              <a:solidFill>
+                <a:schemeClr val="bg1"/>
+              </a:solidFill>
+            </a:endParaRPr>
+          </a:p>
+        </p:txBody>
+      </p:sp>
+      <p:sp>
+        <p:nvSpPr>
+          <p:cNvPr id="13" name="TextBox 12">
+            <a:extLst>
+              <a:ext uri="{FF2B5EF4-FFF2-40B4-BE49-F238E27FC236}">
+                <a16:creationId xmlns:a16="http://schemas.microsoft.com/office/drawing/2014/main" id="{174BB310-5233-D341-87B0-0E4A9ED64D30}"/>
+              </a:ext>
+            </a:extLst>
+          </p:cNvPr>
+          <p:cNvSpPr txBox="1"/>
+          <p:nvPr/>
+        </p:nvSpPr>
+        <p:spPr>
+          <a:xfrm>
+            <a:off x="11926242" y="25060809"/>
+            <a:ext cx="17422508" cy="8463855"/>
+          </a:xfrm>
+          <a:prstGeom prst="rect">
+            <a:avLst/>
+          </a:prstGeom>
+          <a:noFill/>
+        </p:spPr>
+        <p:txBody>
+          <a:bodyPr wrap="square" rtlCol="0">
+            <a:spAutoFit/>
+          </a:bodyPr>
+          <a:lstStyle/>
+          <a:p>
+            <a:pPr algn="just"/>
+            <a:r>
+              <a:rPr lang="en-US" sz="3200" b="1" dirty="0">
+                <a:solidFill>
+                  <a:schemeClr val="accent1"/>
+                </a:solidFill>
                 <a:latin typeface="Open Sans" panose="020B0606030504020204" pitchFamily="34" charset="0"/>
                 <a:ea typeface="Open Sans" panose="020B0606030504020204" pitchFamily="34" charset="0"/>
                 <a:cs typeface="Open Sans" panose="020B0606030504020204" pitchFamily="34" charset="0"/>
               </a:rPr>
-              <a:t> offers on their website, we are looking to gain insight on customer demographics and biking behaviors, through statistical graphics and visualizations. </a:t>
-            </a:r>
+              <a:t>Exhibit 2: </a:t>
+            </a:r>
+            <a:r>
+              <a:rPr lang="en-US" sz="3200" dirty="0">
+                <a:latin typeface="Open Sans" panose="020B0606030504020204" pitchFamily="34" charset="0"/>
+                <a:ea typeface="Open Sans" panose="020B0606030504020204" pitchFamily="34" charset="0"/>
+                <a:cs typeface="Open Sans" panose="020B0606030504020204" pitchFamily="34" charset="0"/>
+              </a:rPr>
+              <a:t>The distribution of distance travelled does not appear to have a significant dependence on the age or gender of members. However, we found that a higher volume of members ride shorter distances. These are likely regular users who use the service to commute work or school.</a:t>
+            </a:r>
+          </a:p>
+          <a:p>
+            <a:pPr algn="just"/>
+            <a:endParaRPr lang="en-US" sz="3200" b="1" dirty="0">
+              <a:solidFill>
+                <a:schemeClr val="accent1"/>
+              </a:solidFill>
+              <a:latin typeface="Open Sans" panose="020B0606030504020204" pitchFamily="34" charset="0"/>
+              <a:ea typeface="Open Sans" panose="020B0606030504020204" pitchFamily="34" charset="0"/>
+              <a:cs typeface="Open Sans" panose="020B0606030504020204" pitchFamily="34" charset="0"/>
+            </a:endParaRPr>
+          </a:p>
+          <a:p>
+            <a:pPr algn="just"/>
+            <a:r>
+              <a:rPr lang="en-US" sz="3200" b="1" dirty="0">
+                <a:solidFill>
+                  <a:schemeClr val="accent1"/>
+                </a:solidFill>
+                <a:latin typeface="Open Sans" panose="020B0606030504020204" pitchFamily="34" charset="0"/>
+                <a:ea typeface="Open Sans" panose="020B0606030504020204" pitchFamily="34" charset="0"/>
+                <a:cs typeface="Open Sans" panose="020B0606030504020204" pitchFamily="34" charset="0"/>
+              </a:rPr>
+              <a:t>Exhibit 4: </a:t>
+            </a:r>
+            <a:r>
+              <a:rPr lang="en-US" sz="3200" dirty="0">
+                <a:latin typeface="Open Sans" panose="020B0606030504020204" pitchFamily="34" charset="0"/>
+                <a:ea typeface="Open Sans" panose="020B0606030504020204" pitchFamily="34" charset="0"/>
+                <a:cs typeface="Open Sans" panose="020B0606030504020204" pitchFamily="34" charset="0"/>
+              </a:rPr>
+              <a:t>By examining bike usage data by each hour of each day, we found that users most frequently use the service during weekday rush hours of 8 </a:t>
+            </a:r>
+            <a:r>
+              <a:rPr lang="en-US" sz="3200" dirty="0" err="1">
+                <a:latin typeface="Open Sans" panose="020B0606030504020204" pitchFamily="34" charset="0"/>
+                <a:ea typeface="Open Sans" panose="020B0606030504020204" pitchFamily="34" charset="0"/>
+                <a:cs typeface="Open Sans" panose="020B0606030504020204" pitchFamily="34" charset="0"/>
+              </a:rPr>
+              <a:t>a.m</a:t>
+            </a:r>
+            <a:r>
+              <a:rPr lang="en-US" sz="3200" dirty="0">
+                <a:latin typeface="Open Sans" panose="020B0606030504020204" pitchFamily="34" charset="0"/>
+                <a:ea typeface="Open Sans" panose="020B0606030504020204" pitchFamily="34" charset="0"/>
+                <a:cs typeface="Open Sans" panose="020B0606030504020204" pitchFamily="34" charset="0"/>
+              </a:rPr>
+              <a:t> and 5 p.m.</a:t>
+            </a:r>
+          </a:p>
+          <a:p>
+            <a:pPr algn="just"/>
+            <a:endParaRPr lang="en-US" sz="3200" dirty="0">
+              <a:latin typeface="Open Sans" panose="020B0606030504020204" pitchFamily="34" charset="0"/>
+              <a:ea typeface="Open Sans" panose="020B0606030504020204" pitchFamily="34" charset="0"/>
+              <a:cs typeface="Open Sans" panose="020B0606030504020204" pitchFamily="34" charset="0"/>
+            </a:endParaRPr>
+          </a:p>
+          <a:p>
+            <a:pPr algn="just"/>
+            <a:r>
+              <a:rPr lang="en-US" sz="3200" b="1" dirty="0">
+                <a:solidFill>
+                  <a:schemeClr val="accent1"/>
+                </a:solidFill>
+                <a:latin typeface="Open Sans" panose="020B0606030504020204" pitchFamily="34" charset="0"/>
+                <a:ea typeface="Open Sans" panose="020B0606030504020204" pitchFamily="34" charset="0"/>
+                <a:cs typeface="Open Sans" panose="020B0606030504020204" pitchFamily="34" charset="0"/>
+              </a:rPr>
+              <a:t>Exhibit 5: </a:t>
+            </a:r>
+          </a:p>
+          <a:p>
+            <a:pPr algn="just"/>
+            <a:endParaRPr lang="en-US" sz="3200" b="1" dirty="0">
+              <a:solidFill>
+                <a:schemeClr val="accent1"/>
+              </a:solidFill>
+              <a:latin typeface="Open Sans" panose="020B0606030504020204" pitchFamily="34" charset="0"/>
+              <a:ea typeface="Open Sans" panose="020B0606030504020204" pitchFamily="34" charset="0"/>
+              <a:cs typeface="Open Sans" panose="020B0606030504020204" pitchFamily="34" charset="0"/>
+            </a:endParaRPr>
+          </a:p>
+          <a:p>
+            <a:pPr algn="just"/>
+            <a:r>
+              <a:rPr lang="en-US" sz="3200" b="1" dirty="0">
+                <a:solidFill>
+                  <a:schemeClr val="accent1"/>
+                </a:solidFill>
+                <a:latin typeface="Open Sans" panose="020B0606030504020204" pitchFamily="34" charset="0"/>
+                <a:ea typeface="Open Sans" panose="020B0606030504020204" pitchFamily="34" charset="0"/>
+                <a:cs typeface="Open Sans" panose="020B0606030504020204" pitchFamily="34" charset="0"/>
+              </a:rPr>
+              <a:t>Exhibit 6: </a:t>
+            </a:r>
+          </a:p>
+          <a:p>
+            <a:pPr algn="just"/>
+            <a:endParaRPr lang="en-US" sz="3200" b="1" dirty="0">
+              <a:solidFill>
+                <a:schemeClr val="accent1"/>
+              </a:solidFill>
+              <a:latin typeface="Open Sans" panose="020B0606030504020204" pitchFamily="34" charset="0"/>
+              <a:ea typeface="Open Sans" panose="020B0606030504020204" pitchFamily="34" charset="0"/>
+              <a:cs typeface="Open Sans" panose="020B0606030504020204" pitchFamily="34" charset="0"/>
+            </a:endParaRPr>
+          </a:p>
+          <a:p>
+            <a:pPr algn="just"/>
+            <a:r>
+              <a:rPr lang="en-US" sz="3200" b="1" dirty="0">
+                <a:solidFill>
+                  <a:schemeClr val="accent1"/>
+                </a:solidFill>
+                <a:latin typeface="Open Sans" panose="020B0606030504020204" pitchFamily="34" charset="0"/>
+                <a:ea typeface="Open Sans" panose="020B0606030504020204" pitchFamily="34" charset="0"/>
+                <a:cs typeface="Open Sans" panose="020B0606030504020204" pitchFamily="34" charset="0"/>
+              </a:rPr>
+              <a:t>Exhibit 7: </a:t>
+            </a:r>
+          </a:p>
+          <a:p>
+            <a:pPr algn="just"/>
+            <a:endParaRPr lang="en-US" sz="3200" b="1" dirty="0">
+              <a:solidFill>
+                <a:schemeClr val="accent1"/>
+              </a:solidFill>
+              <a:latin typeface="Open Sans" panose="020B0606030504020204" pitchFamily="34" charset="0"/>
+              <a:ea typeface="Open Sans" panose="020B0606030504020204" pitchFamily="34" charset="0"/>
+              <a:cs typeface="Open Sans" panose="020B0606030504020204" pitchFamily="34" charset="0"/>
+            </a:endParaRPr>
+          </a:p>
+          <a:p>
+            <a:pPr algn="just"/>
+            <a:r>
+              <a:rPr lang="en-US" sz="3200" b="1" dirty="0">
+                <a:solidFill>
+                  <a:schemeClr val="accent1"/>
+                </a:solidFill>
+                <a:latin typeface="Open Sans" panose="020B0606030504020204" pitchFamily="34" charset="0"/>
+                <a:ea typeface="Open Sans" panose="020B0606030504020204" pitchFamily="34" charset="0"/>
+                <a:cs typeface="Open Sans" panose="020B0606030504020204" pitchFamily="34" charset="0"/>
+              </a:rPr>
+              <a:t>Exhibit 8: </a:t>
+            </a:r>
+          </a:p>
+          <a:p>
+            <a:endParaRPr lang="en-US" sz="3200" dirty="0"/>
+          </a:p>
+          <a:p>
+            <a:endParaRPr lang="en-US" sz="3200" dirty="0" err="1"/>
           </a:p>
         </p:txBody>
       </p:sp>
       <p:pic>
         <p:nvPicPr>
-          <p:cNvPr id="12" name="Picture 11">
+          <p:cNvPr id="17" name="Picture 16">
             <a:extLst>
               <a:ext uri="{FF2B5EF4-FFF2-40B4-BE49-F238E27FC236}">
-                <a16:creationId xmlns:a16="http://schemas.microsoft.com/office/drawing/2014/main" xmlns="" id="{B88E0BD0-8F91-144F-A106-D2763279C3AB}"/>
+                <a16:creationId xmlns:a16="http://schemas.microsoft.com/office/drawing/2014/main" id="{4D7DA656-D2D7-BD4D-AEA5-15C1194492D7}"/>
               </a:ext>
             </a:extLst>
           </p:cNvPr>
@@ -4470,8 +4722,8 @@
         </p:blipFill>
         <p:spPr>
           <a:xfrm>
-            <a:off x="426720" y="14844578"/>
-            <a:ext cx="13428351" cy="9591679"/>
+            <a:off x="11287469" y="15562252"/>
+            <a:ext cx="11342750" cy="8101964"/>
           </a:xfrm>
           <a:prstGeom prst="rect">
             <a:avLst/>
@@ -4480,10 +4732,10 @@
       </p:pic>
       <p:pic>
         <p:nvPicPr>
-          <p:cNvPr id="14" name="Picture 13">
+          <p:cNvPr id="23" name="Picture 22">
             <a:extLst>
               <a:ext uri="{FF2B5EF4-FFF2-40B4-BE49-F238E27FC236}">
-                <a16:creationId xmlns:a16="http://schemas.microsoft.com/office/drawing/2014/main" xmlns="" id="{ABF01E40-ABE8-FC45-894D-48BF420D660D}"/>
+                <a16:creationId xmlns:a16="http://schemas.microsoft.com/office/drawing/2014/main" id="{D3BB6D8B-D41C-2646-BA3C-6A07FC06A36B}"/>
               </a:ext>
             </a:extLst>
           </p:cNvPr>
@@ -4506,8 +4758,93 @@
         </p:blipFill>
         <p:spPr>
           <a:xfrm>
-            <a:off x="30361225" y="5107721"/>
-            <a:ext cx="13529975" cy="19328536"/>
+            <a:off x="21240229" y="5495825"/>
+            <a:ext cx="12781865" cy="9129904"/>
+          </a:xfrm>
+          <a:prstGeom prst="rect">
+            <a:avLst/>
+          </a:prstGeom>
+        </p:spPr>
+      </p:pic>
+      <p:sp>
+        <p:nvSpPr>
+          <p:cNvPr id="24" name="TextBox 23">
+            <a:extLst>
+              <a:ext uri="{FF2B5EF4-FFF2-40B4-BE49-F238E27FC236}">
+                <a16:creationId xmlns:a16="http://schemas.microsoft.com/office/drawing/2014/main" id="{5C01B38F-33C3-1B4A-A476-2240ECFBDAC9}"/>
+              </a:ext>
+            </a:extLst>
+          </p:cNvPr>
+          <p:cNvSpPr txBox="1"/>
+          <p:nvPr/>
+        </p:nvSpPr>
+        <p:spPr>
+          <a:xfrm>
+            <a:off x="508514" y="5495826"/>
+            <a:ext cx="10741228" cy="769441"/>
+          </a:xfrm>
+          <a:prstGeom prst="rect">
+            <a:avLst/>
+          </a:prstGeom>
+          <a:solidFill>
+            <a:srgbClr val="16406B"/>
+          </a:solidFill>
+        </p:spPr>
+        <p:txBody>
+          <a:bodyPr wrap="square" rtlCol="0">
+            <a:spAutoFit/>
+          </a:bodyPr>
+          <a:lstStyle/>
+          <a:p>
+            <a:pPr algn="ctr"/>
+            <a:r>
+              <a:rPr lang="en-US" sz="4400" b="1" dirty="0">
+                <a:solidFill>
+                  <a:schemeClr val="bg1"/>
+                </a:solidFill>
+                <a:latin typeface="Open Sans" panose="020B0606030504020204" pitchFamily="34" charset="0"/>
+                <a:ea typeface="Open Sans" panose="020B0606030504020204" pitchFamily="34" charset="0"/>
+                <a:cs typeface="Open Sans" panose="020B0606030504020204" pitchFamily="34" charset="0"/>
+              </a:rPr>
+              <a:t>BACKGROUND</a:t>
+            </a:r>
+            <a:endParaRPr lang="en-US" sz="4400" dirty="0">
+              <a:solidFill>
+                <a:schemeClr val="bg1"/>
+              </a:solidFill>
+            </a:endParaRPr>
+          </a:p>
+        </p:txBody>
+      </p:sp>
+      <p:pic>
+        <p:nvPicPr>
+          <p:cNvPr id="27" name="Picture 26">
+            <a:extLst>
+              <a:ext uri="{FF2B5EF4-FFF2-40B4-BE49-F238E27FC236}">
+                <a16:creationId xmlns:a16="http://schemas.microsoft.com/office/drawing/2014/main" id="{17B0289B-FF50-D740-B723-5D901765914C}"/>
+              </a:ext>
+            </a:extLst>
+          </p:cNvPr>
+          <p:cNvPicPr>
+            <a:picLocks noChangeAspect="1"/>
+          </p:cNvPicPr>
+          <p:nvPr/>
+        </p:nvPicPr>
+        <p:blipFill rotWithShape="1">
+          <a:blip r:embed="rId7">
+            <a:extLst>
+              <a:ext uri="{28A0092B-C50C-407E-A947-70E740481C1C}">
+                <a14:useLocalDpi xmlns:a14="http://schemas.microsoft.com/office/drawing/2010/main" val="0"/>
+              </a:ext>
+            </a:extLst>
+          </a:blip>
+          <a:srcRect l="18765" r="15724"/>
+          <a:stretch/>
+        </p:blipFill>
+        <p:spPr>
+          <a:xfrm>
+            <a:off x="11936008" y="5495825"/>
+            <a:ext cx="9232352" cy="10066427"/>
           </a:xfrm>
           <a:prstGeom prst="rect">
             <a:avLst/>
@@ -4516,10 +4853,10 @@
       </p:pic>
       <p:pic>
         <p:nvPicPr>
-          <p:cNvPr id="16" name="Picture 15">
+          <p:cNvPr id="29" name="Picture 28">
             <a:extLst>
               <a:ext uri="{FF2B5EF4-FFF2-40B4-BE49-F238E27FC236}">
-                <a16:creationId xmlns:a16="http://schemas.microsoft.com/office/drawing/2014/main" xmlns="" id="{1A3029AD-CCBF-8B4F-BED8-49732E41F924}"/>
+                <a16:creationId xmlns:a16="http://schemas.microsoft.com/office/drawing/2014/main" id="{05ED74AF-7F36-BB45-9095-F658BDB4F9EF}"/>
               </a:ext>
             </a:extLst>
           </p:cNvPr>
@@ -4528,43 +4865,7 @@
           </p:cNvPicPr>
           <p:nvPr/>
         </p:nvPicPr>
-        <p:blipFill>
-          <a:blip r:embed="rId7">
-            <a:extLst>
-              <a:ext uri="{28A0092B-C50C-407E-A947-70E740481C1C}">
-                <a14:useLocalDpi xmlns:a14="http://schemas.microsoft.com/office/drawing/2010/main" val="0"/>
-              </a:ext>
-            </a:extLst>
-          </a:blip>
-          <a:stretch>
-            <a:fillRect/>
-          </a:stretch>
-        </p:blipFill>
-        <p:spPr>
-          <a:xfrm>
-            <a:off x="17983199" y="5988631"/>
-            <a:ext cx="11951306" cy="8536647"/>
-          </a:xfrm>
-          <a:prstGeom prst="rect">
-            <a:avLst/>
-          </a:prstGeom>
-        </p:spPr>
-      </p:pic>
-      <p:pic>
-        <p:nvPicPr>
-          <p:cNvPr id="18" name="Picture 17">
-            <a:extLst>
-              <a:ext uri="{FF2B5EF4-FFF2-40B4-BE49-F238E27FC236}">
-                <a16:creationId xmlns:a16="http://schemas.microsoft.com/office/drawing/2014/main" xmlns="" id="{2EDFB382-10BA-B24A-AF39-9C1A8830B6BE}"/>
-              </a:ext>
-            </a:extLst>
-          </p:cNvPr>
-          <p:cNvPicPr>
-            <a:picLocks noChangeAspect="1"/>
-          </p:cNvPicPr>
-          <p:nvPr/>
-        </p:nvPicPr>
-        <p:blipFill>
+        <p:blipFill rotWithShape="1">
           <a:blip r:embed="rId8">
             <a:extLst>
               <a:ext uri="{28A0092B-C50C-407E-A947-70E740481C1C}">
@@ -4572,167 +4873,19 @@
               </a:ext>
             </a:extLst>
           </a:blip>
-          <a:stretch>
-            <a:fillRect/>
-          </a:stretch>
+          <a:srcRect l="3208" r="5466" b="2388"/>
+          <a:stretch/>
         </p:blipFill>
         <p:spPr>
           <a:xfrm>
-            <a:off x="17983199" y="14987635"/>
-            <a:ext cx="12560907" cy="9272379"/>
+            <a:off x="515391" y="15756740"/>
+            <a:ext cx="10772078" cy="16447981"/>
           </a:xfrm>
           <a:prstGeom prst="rect">
             <a:avLst/>
           </a:prstGeom>
         </p:spPr>
       </p:pic>
-      <p:pic>
-        <p:nvPicPr>
-          <p:cNvPr id="20" name="Picture 19">
-            <a:extLst>
-              <a:ext uri="{FF2B5EF4-FFF2-40B4-BE49-F238E27FC236}">
-                <a16:creationId xmlns:a16="http://schemas.microsoft.com/office/drawing/2014/main" xmlns="" id="{35E24188-E525-264B-85B5-9918CDB88DC9}"/>
-              </a:ext>
-            </a:extLst>
-          </p:cNvPr>
-          <p:cNvPicPr>
-            <a:picLocks noChangeAspect="1"/>
-          </p:cNvPicPr>
-          <p:nvPr/>
-        </p:nvPicPr>
-        <p:blipFill>
-          <a:blip r:embed="rId9">
-            <a:extLst>
-              <a:ext uri="{28A0092B-C50C-407E-A947-70E740481C1C}">
-                <a14:useLocalDpi xmlns:a14="http://schemas.microsoft.com/office/drawing/2010/main" val="0"/>
-              </a:ext>
-            </a:extLst>
-          </a:blip>
-          <a:stretch>
-            <a:fillRect/>
-          </a:stretch>
-        </p:blipFill>
-        <p:spPr>
-          <a:xfrm>
-            <a:off x="17983199" y="24852393"/>
-            <a:ext cx="10247006" cy="7319290"/>
-          </a:xfrm>
-          <a:prstGeom prst="rect">
-            <a:avLst/>
-          </a:prstGeom>
-        </p:spPr>
-      </p:pic>
-      <p:pic>
-        <p:nvPicPr>
-          <p:cNvPr id="22" name="Picture 21">
-            <a:extLst>
-              <a:ext uri="{FF2B5EF4-FFF2-40B4-BE49-F238E27FC236}">
-                <a16:creationId xmlns:a16="http://schemas.microsoft.com/office/drawing/2014/main" xmlns="" id="{E0CB499C-1BBA-8549-8500-90B345D355A6}"/>
-              </a:ext>
-            </a:extLst>
-          </p:cNvPr>
-          <p:cNvPicPr>
-            <a:picLocks noChangeAspect="1"/>
-          </p:cNvPicPr>
-          <p:nvPr/>
-        </p:nvPicPr>
-        <p:blipFill>
-          <a:blip r:embed="rId10">
-            <a:extLst>
-              <a:ext uri="{28A0092B-C50C-407E-A947-70E740481C1C}">
-                <a14:useLocalDpi xmlns:a14="http://schemas.microsoft.com/office/drawing/2010/main" val="0"/>
-              </a:ext>
-            </a:extLst>
-          </a:blip>
-          <a:stretch>
-            <a:fillRect/>
-          </a:stretch>
-        </p:blipFill>
-        <p:spPr>
-          <a:xfrm>
-            <a:off x="860441" y="24381752"/>
-            <a:ext cx="11564803" cy="8260573"/>
-          </a:xfrm>
-          <a:prstGeom prst="rect">
-            <a:avLst/>
-          </a:prstGeom>
-        </p:spPr>
-      </p:pic>
-      <p:sp>
-        <p:nvSpPr>
-          <p:cNvPr id="23" name="TextBox 22">
-            <a:extLst>
-              <a:ext uri="{FF2B5EF4-FFF2-40B4-BE49-F238E27FC236}">
-                <a16:creationId xmlns:a16="http://schemas.microsoft.com/office/drawing/2014/main" xmlns="" id="{37519259-B409-7343-8010-41FB6838ED5A}"/>
-              </a:ext>
-            </a:extLst>
-          </p:cNvPr>
-          <p:cNvSpPr txBox="1"/>
-          <p:nvPr/>
-        </p:nvSpPr>
-        <p:spPr>
-          <a:xfrm>
-            <a:off x="30361224" y="25104823"/>
-            <a:ext cx="12940673" cy="4524315"/>
-          </a:xfrm>
-          <a:prstGeom prst="rect">
-            <a:avLst/>
-          </a:prstGeom>
-          <a:noFill/>
-          <a:ln w="82550">
-            <a:noFill/>
-          </a:ln>
-        </p:spPr>
-        <p:txBody>
-          <a:bodyPr wrap="square" rtlCol="0">
-            <a:spAutoFit/>
-          </a:bodyPr>
-          <a:lstStyle/>
-          <a:p>
-            <a:pPr algn="ctr"/>
-            <a:r>
-              <a:rPr lang="en-US" sz="4800" b="1" dirty="0">
-                <a:solidFill>
-                  <a:schemeClr val="accent1"/>
-                </a:solidFill>
-                <a:latin typeface="Open Sans" panose="020B0606030504020204" pitchFamily="34" charset="0"/>
-                <a:ea typeface="Open Sans" panose="020B0606030504020204" pitchFamily="34" charset="0"/>
-                <a:cs typeface="Open Sans" panose="020B0606030504020204" pitchFamily="34" charset="0"/>
-              </a:rPr>
-              <a:t>Conclusion</a:t>
-            </a:r>
-          </a:p>
-          <a:p>
-            <a:endParaRPr lang="en-US" sz="4800" dirty="0">
-              <a:latin typeface="Open Sans" panose="020B0606030504020204" pitchFamily="34" charset="0"/>
-              <a:ea typeface="Open Sans" panose="020B0606030504020204" pitchFamily="34" charset="0"/>
-              <a:cs typeface="Open Sans" panose="020B0606030504020204" pitchFamily="34" charset="0"/>
-            </a:endParaRPr>
-          </a:p>
-          <a:p>
-            <a:r>
-              <a:rPr lang="en-US" sz="4800" dirty="0"/>
-              <a:t>By looking at bike usage data for each hour of each day, we found that users most frequently used the service during the rush hours of 8 </a:t>
-            </a:r>
-            <a:r>
-              <a:rPr lang="en-US" sz="4800" dirty="0" err="1"/>
-              <a:t>a.m</a:t>
-            </a:r>
-            <a:r>
-              <a:rPr lang="en-US" sz="4800" dirty="0"/>
-              <a:t> and 5 </a:t>
-            </a:r>
-            <a:r>
-              <a:rPr lang="en-US" sz="4800" dirty="0" err="1"/>
-              <a:t>p.m</a:t>
-            </a:r>
-            <a:r>
-              <a:rPr lang="en-US" sz="4800" dirty="0"/>
-              <a:t> during the weekdays. </a:t>
-            </a:r>
-          </a:p>
-        </p:txBody>
-      </p:sp>
     </p:spTree>
     <p:extLst>
       <p:ext uri="{BB962C8B-B14F-4D97-AF65-F5344CB8AC3E}">

--- a/Poster.pptx
+++ b/Poster.pptx
@@ -4327,7 +4327,7 @@
         <p:spPr>
           <a:xfrm>
             <a:off x="553119" y="6265267"/>
-            <a:ext cx="10696623" cy="8956298"/>
+            <a:ext cx="10696623" cy="7971413"/>
           </a:xfrm>
           <a:prstGeom prst="rect">
             <a:avLst/>
@@ -4345,7 +4345,7 @@
           <a:p>
             <a:pPr algn="just"/>
             <a:r>
-              <a:rPr lang="en-US" sz="3600" dirty="0">
+              <a:rPr lang="en-US" sz="3200" dirty="0">
                 <a:latin typeface="Open Sans" panose="020B0606030504020204" pitchFamily="34" charset="0"/>
                 <a:ea typeface="Open Sans" panose="020B0606030504020204" pitchFamily="34" charset="0"/>
                 <a:cs typeface="Open Sans" panose="020B0606030504020204" pitchFamily="34" charset="0"/>
@@ -4353,7 +4353,7 @@
               <a:t>Ford’s </a:t>
             </a:r>
             <a:r>
-              <a:rPr lang="en-US" sz="3600" dirty="0" err="1">
+              <a:rPr lang="en-US" sz="3200" dirty="0" err="1">
                 <a:latin typeface="Open Sans" panose="020B0606030504020204" pitchFamily="34" charset="0"/>
                 <a:ea typeface="Open Sans" panose="020B0606030504020204" pitchFamily="34" charset="0"/>
                 <a:cs typeface="Open Sans" panose="020B0606030504020204" pitchFamily="34" charset="0"/>
@@ -4361,7 +4361,7 @@
               <a:t>GoBike</a:t>
             </a:r>
             <a:r>
-              <a:rPr lang="en-US" sz="3600" dirty="0">
+              <a:rPr lang="en-US" sz="3200" dirty="0">
                 <a:latin typeface="Open Sans" panose="020B0606030504020204" pitchFamily="34" charset="0"/>
                 <a:ea typeface="Open Sans" panose="020B0606030504020204" pitchFamily="34" charset="0"/>
                 <a:cs typeface="Open Sans" panose="020B0606030504020204" pitchFamily="34" charset="0"/>
@@ -4371,7 +4371,7 @@
           </a:p>
           <a:p>
             <a:pPr algn="just"/>
-            <a:endParaRPr lang="en-US" sz="3600" dirty="0">
+            <a:endParaRPr lang="en-US" sz="3200" dirty="0">
               <a:latin typeface="Open Sans" panose="020B0606030504020204" pitchFamily="34" charset="0"/>
               <a:ea typeface="Open Sans" panose="020B0606030504020204" pitchFamily="34" charset="0"/>
               <a:cs typeface="Open Sans" panose="020B0606030504020204" pitchFamily="34" charset="0"/>
@@ -4380,7 +4380,7 @@
           <a:p>
             <a:pPr algn="just"/>
             <a:r>
-              <a:rPr lang="en-US" sz="3600" dirty="0">
+              <a:rPr lang="en-US" sz="3200" dirty="0">
                 <a:latin typeface="Open Sans" panose="020B0606030504020204" pitchFamily="34" charset="0"/>
                 <a:ea typeface="Open Sans" panose="020B0606030504020204" pitchFamily="34" charset="0"/>
                 <a:cs typeface="Open Sans" panose="020B0606030504020204" pitchFamily="34" charset="0"/>
@@ -4388,7 +4388,7 @@
               <a:t>With the open-source data that Ford </a:t>
             </a:r>
             <a:r>
-              <a:rPr lang="en-US" sz="3600" dirty="0" err="1">
+              <a:rPr lang="en-US" sz="3200" dirty="0" err="1">
                 <a:latin typeface="Open Sans" panose="020B0606030504020204" pitchFamily="34" charset="0"/>
                 <a:ea typeface="Open Sans" panose="020B0606030504020204" pitchFamily="34" charset="0"/>
                 <a:cs typeface="Open Sans" panose="020B0606030504020204" pitchFamily="34" charset="0"/>
@@ -4396,7 +4396,7 @@
               <a:t>GoBike</a:t>
             </a:r>
             <a:r>
-              <a:rPr lang="en-US" sz="3600" dirty="0">
+              <a:rPr lang="en-US" sz="3200" dirty="0">
                 <a:latin typeface="Open Sans" panose="020B0606030504020204" pitchFamily="34" charset="0"/>
                 <a:ea typeface="Open Sans" panose="020B0606030504020204" pitchFamily="34" charset="0"/>
                 <a:cs typeface="Open Sans" panose="020B0606030504020204" pitchFamily="34" charset="0"/>
@@ -4404,7 +4404,7 @@
               <a:t> offers on their website, we are looking to use statistical visualization in order to gain insight on customer demographics and biking behaviors. Our map base is pulled from </a:t>
             </a:r>
             <a:r>
-              <a:rPr lang="en-US" sz="3600" dirty="0" err="1">
+              <a:rPr lang="en-US" sz="3200" dirty="0" err="1">
                 <a:latin typeface="Open Sans" panose="020B0606030504020204" pitchFamily="34" charset="0"/>
                 <a:ea typeface="Open Sans" panose="020B0606030504020204" pitchFamily="34" charset="0"/>
                 <a:cs typeface="Open Sans" panose="020B0606030504020204" pitchFamily="34" charset="0"/>
@@ -4412,7 +4412,7 @@
               <a:t>Google.com</a:t>
             </a:r>
             <a:r>
-              <a:rPr lang="en-US" sz="3600" dirty="0">
+              <a:rPr lang="en-US" sz="3200" dirty="0">
                 <a:latin typeface="Open Sans" panose="020B0606030504020204" pitchFamily="34" charset="0"/>
                 <a:ea typeface="Open Sans" panose="020B0606030504020204" pitchFamily="34" charset="0"/>
                 <a:cs typeface="Open Sans" panose="020B0606030504020204" pitchFamily="34" charset="0"/>
@@ -4422,7 +4422,7 @@
           </a:p>
           <a:p>
             <a:pPr algn="just"/>
-            <a:endParaRPr lang="en-US" sz="3600" dirty="0">
+            <a:endParaRPr lang="en-US" sz="3200" dirty="0">
               <a:latin typeface="Open Sans" panose="020B0606030504020204" pitchFamily="34" charset="0"/>
               <a:ea typeface="Open Sans" panose="020B0606030504020204" pitchFamily="34" charset="0"/>
               <a:cs typeface="Open Sans" panose="020B0606030504020204" pitchFamily="34" charset="0"/>
@@ -4431,7 +4431,7 @@
           <a:p>
             <a:pPr algn="just"/>
             <a:r>
-              <a:rPr lang="en-US" sz="3600" dirty="0">
+              <a:rPr lang="en-US" sz="3200" dirty="0">
                 <a:latin typeface="Open Sans" panose="020B0606030504020204" pitchFamily="34" charset="0"/>
                 <a:ea typeface="Open Sans" panose="020B0606030504020204" pitchFamily="34" charset="0"/>
                 <a:cs typeface="Open Sans" panose="020B0606030504020204" pitchFamily="34" charset="0"/>
@@ -4455,7 +4455,7 @@
         </p:nvSpPr>
         <p:spPr>
           <a:xfrm>
-            <a:off x="11936008" y="23690476"/>
+            <a:off x="25746938" y="23822449"/>
             <a:ext cx="17412742" cy="769441"/>
           </a:xfrm>
           <a:prstGeom prst="rect">
@@ -4505,8 +4505,8 @@
         </p:nvSpPr>
         <p:spPr>
           <a:xfrm>
-            <a:off x="11926242" y="25060809"/>
-            <a:ext cx="17422508" cy="8463855"/>
+            <a:off x="25742055" y="25060809"/>
+            <a:ext cx="17422508" cy="7478970"/>
           </a:xfrm>
           <a:prstGeom prst="rect">
             <a:avLst/>
@@ -4537,7 +4537,7 @@
                 <a:ea typeface="Open Sans" panose="020B0606030504020204" pitchFamily="34" charset="0"/>
                 <a:cs typeface="Open Sans" panose="020B0606030504020204" pitchFamily="34" charset="0"/>
               </a:rPr>
-              <a:t>The distribution of distance travelled does not appear to have a significant dependence on the age or gender of members. However, we found that a higher volume of members ride shorter distances. These are likely regular users who use the service to commute work or school.</a:t>
+              <a:t>Distance travelled is not dependent on the age or gender of members. However, a higher volume of subscribing members ride shorter distances. </a:t>
             </a:r>
           </a:p>
           <a:p>
@@ -4608,7 +4608,15 @@
                 <a:ea typeface="Open Sans" panose="020B0606030504020204" pitchFamily="34" charset="0"/>
                 <a:cs typeface="Open Sans" panose="020B0606030504020204" pitchFamily="34" charset="0"/>
               </a:rPr>
-              <a:t>Exhibit 5: </a:t>
+              <a:t>Exhibit 5:</a:t>
+            </a:r>
+            <a:r>
+              <a:rPr lang="en-US" sz="3200" dirty="0">
+                <a:latin typeface="Open Sans" panose="020B0606030504020204" pitchFamily="34" charset="0"/>
+                <a:ea typeface="Open Sans" panose="020B0606030504020204" pitchFamily="34" charset="0"/>
+                <a:cs typeface="Open Sans" panose="020B0606030504020204" pitchFamily="34" charset="0"/>
+              </a:rPr>
+              <a:t> Weekdays saw a large increase in users over the first few months while weekend riders remained steady.</a:t>
             </a:r>
           </a:p>
           <a:p>
@@ -4635,6 +4643,22 @@
               </a:rPr>
               <a:t>Exhibit 6: </a:t>
             </a:r>
+            <a:r>
+              <a:rPr lang="en-US" sz="3200" dirty="0">
+                <a:latin typeface="Open Sans" panose="020B0606030504020204" pitchFamily="34" charset="0"/>
+                <a:ea typeface="Open Sans" panose="020B0606030504020204" pitchFamily="34" charset="0"/>
+                <a:cs typeface="Open Sans" panose="020B0606030504020204" pitchFamily="34" charset="0"/>
+              </a:rPr>
+              <a:t>A group of 3 stations appear to have very similar trends in user numbers while the other two follow different, sometimes opposite trends.</a:t>
+            </a:r>
+            <a:endParaRPr lang="en-US" sz="3200" b="1" dirty="0">
+              <a:solidFill>
+                <a:schemeClr val="accent1"/>
+              </a:solidFill>
+              <a:latin typeface="Open Sans" panose="020B0606030504020204" pitchFamily="34" charset="0"/>
+              <a:ea typeface="Open Sans" panose="020B0606030504020204" pitchFamily="34" charset="0"/>
+              <a:cs typeface="Open Sans" panose="020B0606030504020204" pitchFamily="34" charset="0"/>
+            </a:endParaRPr>
           </a:p>
           <a:p>
             <a:pPr algn="just"/>
@@ -4685,12 +4709,6 @@
               </a:rPr>
               <a:t>Exhibit 8: </a:t>
             </a:r>
-          </a:p>
-          <a:p>
-            <a:endParaRPr lang="en-US" sz="3200" dirty="0"/>
-          </a:p>
-          <a:p>
-            <a:endParaRPr lang="en-US" sz="3200" dirty="0" err="1"/>
           </a:p>
         </p:txBody>
       </p:sp>
@@ -4722,8 +4740,8 @@
         </p:blipFill>
         <p:spPr>
           <a:xfrm>
-            <a:off x="11287469" y="15562252"/>
-            <a:ext cx="11342750" cy="8101964"/>
+            <a:off x="11192291" y="15006122"/>
+            <a:ext cx="11580346" cy="8446228"/>
           </a:xfrm>
           <a:prstGeom prst="rect">
             <a:avLst/>
@@ -4744,7 +4762,7 @@
           </p:cNvPicPr>
           <p:nvPr/>
         </p:nvPicPr>
-        <p:blipFill>
+        <p:blipFill rotWithShape="1">
           <a:blip r:embed="rId6">
             <a:extLst>
               <a:ext uri="{28A0092B-C50C-407E-A947-70E740481C1C}">
@@ -4752,14 +4770,13 @@
               </a:ext>
             </a:extLst>
           </a:blip>
-          <a:stretch>
-            <a:fillRect/>
-          </a:stretch>
+          <a:srcRect r="1732"/>
+          <a:stretch/>
         </p:blipFill>
         <p:spPr>
           <a:xfrm>
-            <a:off x="21240229" y="5495825"/>
-            <a:ext cx="12781865" cy="9129904"/>
+            <a:off x="11287469" y="23599662"/>
+            <a:ext cx="12450355" cy="9265739"/>
           </a:xfrm>
           <a:prstGeom prst="rect">
             <a:avLst/>
@@ -4843,8 +4860,8 @@
         </p:blipFill>
         <p:spPr>
           <a:xfrm>
-            <a:off x="11936008" y="5495825"/>
-            <a:ext cx="9232352" cy="10066427"/>
+            <a:off x="12114758" y="5248767"/>
+            <a:ext cx="9605237" cy="9757355"/>
           </a:xfrm>
           <a:prstGeom prst="rect">
             <a:avLst/>
@@ -4878,14 +4895,136 @@
         </p:blipFill>
         <p:spPr>
           <a:xfrm>
-            <a:off x="515391" y="15756740"/>
-            <a:ext cx="10772078" cy="16447981"/>
+            <a:off x="420213" y="14858808"/>
+            <a:ext cx="10772078" cy="17291496"/>
           </a:xfrm>
           <a:prstGeom prst="rect">
             <a:avLst/>
           </a:prstGeom>
         </p:spPr>
       </p:pic>
+      <p:pic>
+        <p:nvPicPr>
+          <p:cNvPr id="31" name="Picture 30">
+            <a:extLst>
+              <a:ext uri="{FF2B5EF4-FFF2-40B4-BE49-F238E27FC236}">
+                <a16:creationId xmlns:a16="http://schemas.microsoft.com/office/drawing/2014/main" id="{32BF4841-866F-C042-B852-D3145E9BC970}"/>
+              </a:ext>
+            </a:extLst>
+          </p:cNvPr>
+          <p:cNvPicPr>
+            <a:picLocks noChangeAspect="1"/>
+          </p:cNvPicPr>
+          <p:nvPr/>
+        </p:nvPicPr>
+        <p:blipFill>
+          <a:blip r:embed="rId9">
+            <a:extLst>
+              <a:ext uri="{28A0092B-C50C-407E-A947-70E740481C1C}">
+                <a14:useLocalDpi xmlns:a14="http://schemas.microsoft.com/office/drawing/2010/main" val="0"/>
+              </a:ext>
+            </a:extLst>
+          </a:blip>
+          <a:stretch>
+            <a:fillRect/>
+          </a:stretch>
+        </p:blipFill>
+        <p:spPr>
+          <a:xfrm>
+            <a:off x="22361091" y="6768312"/>
+            <a:ext cx="10828671" cy="7734765"/>
+          </a:xfrm>
+          <a:prstGeom prst="rect">
+            <a:avLst/>
+          </a:prstGeom>
+        </p:spPr>
+      </p:pic>
+      <p:pic>
+        <p:nvPicPr>
+          <p:cNvPr id="33" name="Picture 32">
+            <a:extLst>
+              <a:ext uri="{FF2B5EF4-FFF2-40B4-BE49-F238E27FC236}">
+                <a16:creationId xmlns:a16="http://schemas.microsoft.com/office/drawing/2014/main" id="{2B804FFD-F501-3E4D-A1F7-897429C527A5}"/>
+              </a:ext>
+            </a:extLst>
+          </p:cNvPr>
+          <p:cNvPicPr>
+            <a:picLocks noChangeAspect="1"/>
+          </p:cNvPicPr>
+          <p:nvPr/>
+        </p:nvPicPr>
+        <p:blipFill>
+          <a:blip r:embed="rId10">
+            <a:extLst>
+              <a:ext uri="{28A0092B-C50C-407E-A947-70E740481C1C}">
+                <a14:useLocalDpi xmlns:a14="http://schemas.microsoft.com/office/drawing/2010/main" val="0"/>
+              </a:ext>
+            </a:extLst>
+          </a:blip>
+          <a:stretch>
+            <a:fillRect/>
+          </a:stretch>
+        </p:blipFill>
+        <p:spPr>
+          <a:xfrm>
+            <a:off x="22642462" y="14437891"/>
+            <a:ext cx="13035262" cy="9310902"/>
+          </a:xfrm>
+          <a:prstGeom prst="rect">
+            <a:avLst/>
+          </a:prstGeom>
+        </p:spPr>
+      </p:pic>
+      <p:sp>
+        <p:nvSpPr>
+          <p:cNvPr id="34" name="TextBox 33">
+            <a:extLst>
+              <a:ext uri="{FF2B5EF4-FFF2-40B4-BE49-F238E27FC236}">
+                <a16:creationId xmlns:a16="http://schemas.microsoft.com/office/drawing/2014/main" id="{1210EF60-A5DF-8942-A488-8C827FD78590}"/>
+              </a:ext>
+            </a:extLst>
+          </p:cNvPr>
+          <p:cNvSpPr txBox="1"/>
+          <p:nvPr/>
+        </p:nvSpPr>
+        <p:spPr>
+          <a:xfrm>
+            <a:off x="22361090" y="5625419"/>
+            <a:ext cx="10828672" cy="769441"/>
+          </a:xfrm>
+          <a:prstGeom prst="rect">
+            <a:avLst/>
+          </a:prstGeom>
+          <a:solidFill>
+            <a:srgbClr val="16406B"/>
+          </a:solidFill>
+        </p:spPr>
+        <p:txBody>
+          <a:bodyPr wrap="square" rtlCol="0">
+            <a:spAutoFit/>
+          </a:bodyPr>
+          <a:lstStyle/>
+          <a:p>
+            <a:pPr algn="ctr"/>
+            <a:r>
+              <a:rPr lang="en-US" sz="4400" b="1" dirty="0">
+                <a:solidFill>
+                  <a:schemeClr val="bg1"/>
+                </a:solidFill>
+                <a:latin typeface="Open Sans" panose="020B0606030504020204" pitchFamily="34" charset="0"/>
+                <a:ea typeface="Open Sans" panose="020B0606030504020204" pitchFamily="34" charset="0"/>
+                <a:cs typeface="Open Sans" panose="020B0606030504020204" pitchFamily="34" charset="0"/>
+              </a:rPr>
+              <a:t>TIME SERIES</a:t>
+            </a:r>
+            <a:endParaRPr lang="en-US" sz="4400" dirty="0">
+              <a:solidFill>
+                <a:schemeClr val="bg1"/>
+              </a:solidFill>
+            </a:endParaRPr>
+          </a:p>
+        </p:txBody>
+      </p:sp>
     </p:spTree>
     <p:extLst>
       <p:ext uri="{BB962C8B-B14F-4D97-AF65-F5344CB8AC3E}">

--- a/Poster.pptx
+++ b/Poster.pptx
@@ -4441,313 +4441,6 @@
           </a:p>
         </p:txBody>
       </p:sp>
-      <p:sp>
-        <p:nvSpPr>
-          <p:cNvPr id="8" name="TextBox 7">
-            <a:extLst>
-              <a:ext uri="{FF2B5EF4-FFF2-40B4-BE49-F238E27FC236}">
-                <a16:creationId xmlns:a16="http://schemas.microsoft.com/office/drawing/2014/main" id="{24D71F50-AA04-B74C-B9DC-F537098EFBB7}"/>
-              </a:ext>
-            </a:extLst>
-          </p:cNvPr>
-          <p:cNvSpPr txBox="1"/>
-          <p:nvPr/>
-        </p:nvSpPr>
-        <p:spPr>
-          <a:xfrm>
-            <a:off x="25746938" y="23822449"/>
-            <a:ext cx="17412742" cy="769441"/>
-          </a:xfrm>
-          <a:prstGeom prst="rect">
-            <a:avLst/>
-          </a:prstGeom>
-          <a:solidFill>
-            <a:srgbClr val="16406B"/>
-          </a:solidFill>
-        </p:spPr>
-        <p:txBody>
-          <a:bodyPr wrap="square" rtlCol="0">
-            <a:spAutoFit/>
-          </a:bodyPr>
-          <a:lstStyle/>
-          <a:p>
-            <a:pPr algn="ctr"/>
-            <a:r>
-              <a:rPr lang="en-US" sz="4400" b="1" dirty="0">
-                <a:solidFill>
-                  <a:schemeClr val="bg1"/>
-                </a:solidFill>
-                <a:latin typeface="Open Sans" panose="020B0606030504020204" pitchFamily="34" charset="0"/>
-                <a:ea typeface="Open Sans" panose="020B0606030504020204" pitchFamily="34" charset="0"/>
-                <a:cs typeface="Open Sans" panose="020B0606030504020204" pitchFamily="34" charset="0"/>
-              </a:rPr>
-              <a:t>FINDINGS</a:t>
-            </a:r>
-            <a:endParaRPr lang="en-US" sz="4400" dirty="0">
-              <a:solidFill>
-                <a:schemeClr val="bg1"/>
-              </a:solidFill>
-            </a:endParaRPr>
-          </a:p>
-        </p:txBody>
-      </p:sp>
-      <p:sp>
-        <p:nvSpPr>
-          <p:cNvPr id="13" name="TextBox 12">
-            <a:extLst>
-              <a:ext uri="{FF2B5EF4-FFF2-40B4-BE49-F238E27FC236}">
-                <a16:creationId xmlns:a16="http://schemas.microsoft.com/office/drawing/2014/main" id="{174BB310-5233-D341-87B0-0E4A9ED64D30}"/>
-              </a:ext>
-            </a:extLst>
-          </p:cNvPr>
-          <p:cNvSpPr txBox="1"/>
-          <p:nvPr/>
-        </p:nvSpPr>
-        <p:spPr>
-          <a:xfrm>
-            <a:off x="25742055" y="25060809"/>
-            <a:ext cx="17422508" cy="7478970"/>
-          </a:xfrm>
-          <a:prstGeom prst="rect">
-            <a:avLst/>
-          </a:prstGeom>
-          <a:noFill/>
-        </p:spPr>
-        <p:txBody>
-          <a:bodyPr wrap="square" rtlCol="0">
-            <a:spAutoFit/>
-          </a:bodyPr>
-          <a:lstStyle/>
-          <a:p>
-            <a:pPr algn="just"/>
-            <a:r>
-              <a:rPr lang="en-US" sz="3200" b="1" dirty="0">
-                <a:solidFill>
-                  <a:schemeClr val="accent1"/>
-                </a:solidFill>
-                <a:latin typeface="Open Sans" panose="020B0606030504020204" pitchFamily="34" charset="0"/>
-                <a:ea typeface="Open Sans" panose="020B0606030504020204" pitchFamily="34" charset="0"/>
-                <a:cs typeface="Open Sans" panose="020B0606030504020204" pitchFamily="34" charset="0"/>
-              </a:rPr>
-              <a:t>Exhibit 2: </a:t>
-            </a:r>
-            <a:r>
-              <a:rPr lang="en-US" sz="3200" dirty="0">
-                <a:latin typeface="Open Sans" panose="020B0606030504020204" pitchFamily="34" charset="0"/>
-                <a:ea typeface="Open Sans" panose="020B0606030504020204" pitchFamily="34" charset="0"/>
-                <a:cs typeface="Open Sans" panose="020B0606030504020204" pitchFamily="34" charset="0"/>
-              </a:rPr>
-              <a:t>Distance travelled is not dependent on the age or gender of members. However, a higher volume of subscribing members ride shorter distances. </a:t>
-            </a:r>
-          </a:p>
-          <a:p>
-            <a:pPr algn="just"/>
-            <a:endParaRPr lang="en-US" sz="3200" b="1" dirty="0">
-              <a:solidFill>
-                <a:schemeClr val="accent1"/>
-              </a:solidFill>
-              <a:latin typeface="Open Sans" panose="020B0606030504020204" pitchFamily="34" charset="0"/>
-              <a:ea typeface="Open Sans" panose="020B0606030504020204" pitchFamily="34" charset="0"/>
-              <a:cs typeface="Open Sans" panose="020B0606030504020204" pitchFamily="34" charset="0"/>
-            </a:endParaRPr>
-          </a:p>
-          <a:p>
-            <a:pPr algn="just"/>
-            <a:r>
-              <a:rPr lang="en-US" sz="3200" b="1" dirty="0">
-                <a:solidFill>
-                  <a:schemeClr val="accent1"/>
-                </a:solidFill>
-                <a:latin typeface="Open Sans" panose="020B0606030504020204" pitchFamily="34" charset="0"/>
-                <a:ea typeface="Open Sans" panose="020B0606030504020204" pitchFamily="34" charset="0"/>
-                <a:cs typeface="Open Sans" panose="020B0606030504020204" pitchFamily="34" charset="0"/>
-              </a:rPr>
-              <a:t>Exhibit 4: </a:t>
-            </a:r>
-            <a:r>
-              <a:rPr lang="en-US" sz="3200" dirty="0">
-                <a:latin typeface="Open Sans" panose="020B0606030504020204" pitchFamily="34" charset="0"/>
-                <a:ea typeface="Open Sans" panose="020B0606030504020204" pitchFamily="34" charset="0"/>
-                <a:cs typeface="Open Sans" panose="020B0606030504020204" pitchFamily="34" charset="0"/>
-              </a:rPr>
-              <a:t>By examining bike usage data by each hour of each day, we found that users most frequently use the service during weekday rush hours of 8 </a:t>
-            </a:r>
-            <a:r>
-              <a:rPr lang="en-US" sz="3200" dirty="0" err="1">
-                <a:latin typeface="Open Sans" panose="020B0606030504020204" pitchFamily="34" charset="0"/>
-                <a:ea typeface="Open Sans" panose="020B0606030504020204" pitchFamily="34" charset="0"/>
-                <a:cs typeface="Open Sans" panose="020B0606030504020204" pitchFamily="34" charset="0"/>
-              </a:rPr>
-              <a:t>a.m</a:t>
-            </a:r>
-            <a:r>
-              <a:rPr lang="en-US" sz="3200" dirty="0">
-                <a:latin typeface="Open Sans" panose="020B0606030504020204" pitchFamily="34" charset="0"/>
-                <a:ea typeface="Open Sans" panose="020B0606030504020204" pitchFamily="34" charset="0"/>
-                <a:cs typeface="Open Sans" panose="020B0606030504020204" pitchFamily="34" charset="0"/>
-              </a:rPr>
-              <a:t> and 5 p.m.</a:t>
-            </a:r>
-          </a:p>
-          <a:p>
-            <a:pPr algn="just"/>
-            <a:endParaRPr lang="en-US" sz="3200" dirty="0">
-              <a:latin typeface="Open Sans" panose="020B0606030504020204" pitchFamily="34" charset="0"/>
-              <a:ea typeface="Open Sans" panose="020B0606030504020204" pitchFamily="34" charset="0"/>
-              <a:cs typeface="Open Sans" panose="020B0606030504020204" pitchFamily="34" charset="0"/>
-            </a:endParaRPr>
-          </a:p>
-          <a:p>
-            <a:pPr algn="just"/>
-            <a:r>
-              <a:rPr lang="en-US" sz="3200" b="1" dirty="0">
-                <a:solidFill>
-                  <a:schemeClr val="accent1"/>
-                </a:solidFill>
-                <a:latin typeface="Open Sans" panose="020B0606030504020204" pitchFamily="34" charset="0"/>
-                <a:ea typeface="Open Sans" panose="020B0606030504020204" pitchFamily="34" charset="0"/>
-                <a:cs typeface="Open Sans" panose="020B0606030504020204" pitchFamily="34" charset="0"/>
-              </a:rPr>
-              <a:t>Exhibit 5:</a:t>
-            </a:r>
-            <a:r>
-              <a:rPr lang="en-US" sz="3200" dirty="0">
-                <a:latin typeface="Open Sans" panose="020B0606030504020204" pitchFamily="34" charset="0"/>
-                <a:ea typeface="Open Sans" panose="020B0606030504020204" pitchFamily="34" charset="0"/>
-                <a:cs typeface="Open Sans" panose="020B0606030504020204" pitchFamily="34" charset="0"/>
-              </a:rPr>
-              <a:t> Weekdays saw a large increase in users over the first few months while weekend riders remained steady.</a:t>
-            </a:r>
-          </a:p>
-          <a:p>
-            <a:pPr algn="just"/>
-            <a:endParaRPr lang="en-US" sz="3200" b="1" dirty="0">
-              <a:solidFill>
-                <a:schemeClr val="accent1"/>
-              </a:solidFill>
-              <a:latin typeface="Open Sans" panose="020B0606030504020204" pitchFamily="34" charset="0"/>
-              <a:ea typeface="Open Sans" panose="020B0606030504020204" pitchFamily="34" charset="0"/>
-              <a:cs typeface="Open Sans" panose="020B0606030504020204" pitchFamily="34" charset="0"/>
-            </a:endParaRPr>
-          </a:p>
-          <a:p>
-            <a:pPr algn="just"/>
-            <a:r>
-              <a:rPr lang="en-US" sz="3200" b="1" dirty="0">
-                <a:solidFill>
-                  <a:schemeClr val="accent1"/>
-                </a:solidFill>
-                <a:latin typeface="Open Sans" panose="020B0606030504020204" pitchFamily="34" charset="0"/>
-                <a:ea typeface="Open Sans" panose="020B0606030504020204" pitchFamily="34" charset="0"/>
-                <a:cs typeface="Open Sans" panose="020B0606030504020204" pitchFamily="34" charset="0"/>
-              </a:rPr>
-              <a:t>Exhibit 6: </a:t>
-            </a:r>
-            <a:r>
-              <a:rPr lang="en-US" sz="3200" dirty="0">
-                <a:latin typeface="Open Sans" panose="020B0606030504020204" pitchFamily="34" charset="0"/>
-                <a:ea typeface="Open Sans" panose="020B0606030504020204" pitchFamily="34" charset="0"/>
-                <a:cs typeface="Open Sans" panose="020B0606030504020204" pitchFamily="34" charset="0"/>
-              </a:rPr>
-              <a:t>A group of 3 stations appear to have very similar trends in user numbers while the other two follow different, sometimes opposite trends.</a:t>
-            </a:r>
-            <a:endParaRPr lang="en-US" sz="3200" b="1" dirty="0">
-              <a:solidFill>
-                <a:schemeClr val="accent1"/>
-              </a:solidFill>
-              <a:latin typeface="Open Sans" panose="020B0606030504020204" pitchFamily="34" charset="0"/>
-              <a:ea typeface="Open Sans" panose="020B0606030504020204" pitchFamily="34" charset="0"/>
-              <a:cs typeface="Open Sans" panose="020B0606030504020204" pitchFamily="34" charset="0"/>
-            </a:endParaRPr>
-          </a:p>
-          <a:p>
-            <a:pPr algn="just"/>
-            <a:endParaRPr lang="en-US" sz="3200" b="1" dirty="0">
-              <a:solidFill>
-                <a:schemeClr val="accent1"/>
-              </a:solidFill>
-              <a:latin typeface="Open Sans" panose="020B0606030504020204" pitchFamily="34" charset="0"/>
-              <a:ea typeface="Open Sans" panose="020B0606030504020204" pitchFamily="34" charset="0"/>
-              <a:cs typeface="Open Sans" panose="020B0606030504020204" pitchFamily="34" charset="0"/>
-            </a:endParaRPr>
-          </a:p>
-          <a:p>
-            <a:pPr algn="just"/>
-            <a:r>
-              <a:rPr lang="en-US" sz="3200" b="1" dirty="0">
-                <a:solidFill>
-                  <a:schemeClr val="accent1"/>
-                </a:solidFill>
-                <a:latin typeface="Open Sans" panose="020B0606030504020204" pitchFamily="34" charset="0"/>
-                <a:ea typeface="Open Sans" panose="020B0606030504020204" pitchFamily="34" charset="0"/>
-                <a:cs typeface="Open Sans" panose="020B0606030504020204" pitchFamily="34" charset="0"/>
-              </a:rPr>
-              <a:t>Exhibit 7: </a:t>
-            </a:r>
-          </a:p>
-          <a:p>
-            <a:pPr algn="just"/>
-            <a:endParaRPr lang="en-US" sz="3200" b="1" dirty="0">
-              <a:solidFill>
-                <a:schemeClr val="accent1"/>
-              </a:solidFill>
-              <a:latin typeface="Open Sans" panose="020B0606030504020204" pitchFamily="34" charset="0"/>
-              <a:ea typeface="Open Sans" panose="020B0606030504020204" pitchFamily="34" charset="0"/>
-              <a:cs typeface="Open Sans" panose="020B0606030504020204" pitchFamily="34" charset="0"/>
-            </a:endParaRPr>
-          </a:p>
-          <a:p>
-            <a:pPr algn="just"/>
-            <a:r>
-              <a:rPr lang="en-US" sz="3200" b="1" dirty="0">
-                <a:solidFill>
-                  <a:schemeClr val="accent1"/>
-                </a:solidFill>
-                <a:latin typeface="Open Sans" panose="020B0606030504020204" pitchFamily="34" charset="0"/>
-                <a:ea typeface="Open Sans" panose="020B0606030504020204" pitchFamily="34" charset="0"/>
-                <a:cs typeface="Open Sans" panose="020B0606030504020204" pitchFamily="34" charset="0"/>
-              </a:rPr>
-              <a:t>Exhibit 8: </a:t>
-            </a:r>
-          </a:p>
-        </p:txBody>
-      </p:sp>
-      <p:pic>
-        <p:nvPicPr>
-          <p:cNvPr id="17" name="Picture 16">
-            <a:extLst>
-              <a:ext uri="{FF2B5EF4-FFF2-40B4-BE49-F238E27FC236}">
-                <a16:creationId xmlns:a16="http://schemas.microsoft.com/office/drawing/2014/main" id="{4D7DA656-D2D7-BD4D-AEA5-15C1194492D7}"/>
-              </a:ext>
-            </a:extLst>
-          </p:cNvPr>
-          <p:cNvPicPr>
-            <a:picLocks noChangeAspect="1"/>
-          </p:cNvPicPr>
-          <p:nvPr/>
-        </p:nvPicPr>
-        <p:blipFill>
-          <a:blip r:embed="rId5">
-            <a:extLst>
-              <a:ext uri="{28A0092B-C50C-407E-A947-70E740481C1C}">
-                <a14:useLocalDpi xmlns:a14="http://schemas.microsoft.com/office/drawing/2010/main" val="0"/>
-              </a:ext>
-            </a:extLst>
-          </a:blip>
-          <a:stretch>
-            <a:fillRect/>
-          </a:stretch>
-        </p:blipFill>
-        <p:spPr>
-          <a:xfrm>
-            <a:off x="11192291" y="15006122"/>
-            <a:ext cx="11580346" cy="8446228"/>
-          </a:xfrm>
-          <a:prstGeom prst="rect">
-            <a:avLst/>
-          </a:prstGeom>
-        </p:spPr>
-      </p:pic>
       <p:pic>
         <p:nvPicPr>
           <p:cNvPr id="23" name="Picture 22">
@@ -4763,7 +4456,7 @@
           <p:nvPr/>
         </p:nvPicPr>
         <p:blipFill rotWithShape="1">
-          <a:blip r:embed="rId6">
+          <a:blip r:embed="rId5">
             <a:extLst>
               <a:ext uri="{28A0092B-C50C-407E-A947-70E740481C1C}">
                 <a14:useLocalDpi xmlns:a14="http://schemas.microsoft.com/office/drawing/2010/main" val="0"/>
@@ -4775,8 +4468,8 @@
         </p:blipFill>
         <p:spPr>
           <a:xfrm>
-            <a:off x="11287469" y="23599662"/>
-            <a:ext cx="12450355" cy="9265739"/>
+            <a:off x="11249742" y="23390047"/>
+            <a:ext cx="11080039" cy="9064740"/>
           </a:xfrm>
           <a:prstGeom prst="rect">
             <a:avLst/>
@@ -4848,20 +4541,20 @@
           <p:nvPr/>
         </p:nvPicPr>
         <p:blipFill rotWithShape="1">
-          <a:blip r:embed="rId7">
+          <a:blip r:embed="rId6">
             <a:extLst>
               <a:ext uri="{28A0092B-C50C-407E-A947-70E740481C1C}">
                 <a14:useLocalDpi xmlns:a14="http://schemas.microsoft.com/office/drawing/2010/main" val="0"/>
               </a:ext>
             </a:extLst>
           </a:blip>
-          <a:srcRect l="18765" r="15724"/>
+          <a:srcRect l="18765" r="15724" b="13674"/>
           <a:stretch/>
         </p:blipFill>
         <p:spPr>
           <a:xfrm>
-            <a:off x="12114758" y="5248767"/>
-            <a:ext cx="9605237" cy="9757355"/>
+            <a:off x="11837572" y="5495826"/>
+            <a:ext cx="9817083" cy="8608960"/>
           </a:xfrm>
           <a:prstGeom prst="rect">
             <a:avLst/>
@@ -4883,7 +4576,7 @@
           <p:nvPr/>
         </p:nvPicPr>
         <p:blipFill rotWithShape="1">
-          <a:blip r:embed="rId8">
+          <a:blip r:embed="rId7">
             <a:extLst>
               <a:ext uri="{28A0092B-C50C-407E-A947-70E740481C1C}">
                 <a14:useLocalDpi xmlns:a14="http://schemas.microsoft.com/office/drawing/2010/main" val="0"/>
@@ -4903,12 +4596,422 @@
           </a:prstGeom>
         </p:spPr>
       </p:pic>
+      <p:sp>
+        <p:nvSpPr>
+          <p:cNvPr id="34" name="TextBox 33">
+            <a:extLst>
+              <a:ext uri="{FF2B5EF4-FFF2-40B4-BE49-F238E27FC236}">
+                <a16:creationId xmlns:a16="http://schemas.microsoft.com/office/drawing/2014/main" id="{1210EF60-A5DF-8942-A488-8C827FD78590}"/>
+              </a:ext>
+            </a:extLst>
+          </p:cNvPr>
+          <p:cNvSpPr txBox="1"/>
+          <p:nvPr/>
+        </p:nvSpPr>
+        <p:spPr>
+          <a:xfrm>
+            <a:off x="22585009" y="5625419"/>
+            <a:ext cx="10202761" cy="769441"/>
+          </a:xfrm>
+          <a:prstGeom prst="rect">
+            <a:avLst/>
+          </a:prstGeom>
+          <a:solidFill>
+            <a:srgbClr val="16406B"/>
+          </a:solidFill>
+        </p:spPr>
+        <p:txBody>
+          <a:bodyPr wrap="square" rtlCol="0">
+            <a:spAutoFit/>
+          </a:bodyPr>
+          <a:lstStyle/>
+          <a:p>
+            <a:pPr algn="ctr"/>
+            <a:r>
+              <a:rPr lang="en-US" sz="4400" b="1" dirty="0">
+                <a:solidFill>
+                  <a:schemeClr val="bg1"/>
+                </a:solidFill>
+                <a:latin typeface="Open Sans" panose="020B0606030504020204" pitchFamily="34" charset="0"/>
+                <a:ea typeface="Open Sans" panose="020B0606030504020204" pitchFamily="34" charset="0"/>
+                <a:cs typeface="Open Sans" panose="020B0606030504020204" pitchFamily="34" charset="0"/>
+              </a:rPr>
+              <a:t>TIME SERIES</a:t>
+            </a:r>
+            <a:endParaRPr lang="en-US" sz="4400" dirty="0">
+              <a:solidFill>
+                <a:schemeClr val="bg1"/>
+              </a:solidFill>
+            </a:endParaRPr>
+          </a:p>
+        </p:txBody>
+      </p:sp>
+      <p:sp>
+        <p:nvSpPr>
+          <p:cNvPr id="8" name="TextBox 7">
+            <a:extLst>
+              <a:ext uri="{FF2B5EF4-FFF2-40B4-BE49-F238E27FC236}">
+                <a16:creationId xmlns:a16="http://schemas.microsoft.com/office/drawing/2014/main" id="{24D71F50-AA04-B74C-B9DC-F537098EFBB7}"/>
+              </a:ext>
+            </a:extLst>
+          </p:cNvPr>
+          <p:cNvSpPr txBox="1"/>
+          <p:nvPr/>
+        </p:nvSpPr>
+        <p:spPr>
+          <a:xfrm>
+            <a:off x="22585009" y="23698475"/>
+            <a:ext cx="20981815" cy="769441"/>
+          </a:xfrm>
+          <a:prstGeom prst="rect">
+            <a:avLst/>
+          </a:prstGeom>
+          <a:solidFill>
+            <a:srgbClr val="16406B"/>
+          </a:solidFill>
+          <a:ln>
+            <a:noFill/>
+          </a:ln>
+        </p:spPr>
+        <p:txBody>
+          <a:bodyPr wrap="square" rtlCol="0">
+            <a:spAutoFit/>
+          </a:bodyPr>
+          <a:lstStyle/>
+          <a:p>
+            <a:pPr algn="ctr"/>
+            <a:r>
+              <a:rPr lang="en-US" sz="4400" b="1" dirty="0">
+                <a:solidFill>
+                  <a:schemeClr val="bg1"/>
+                </a:solidFill>
+                <a:latin typeface="Open Sans" panose="020B0606030504020204" pitchFamily="34" charset="0"/>
+                <a:ea typeface="Open Sans" panose="020B0606030504020204" pitchFamily="34" charset="0"/>
+                <a:cs typeface="Open Sans" panose="020B0606030504020204" pitchFamily="34" charset="0"/>
+              </a:rPr>
+              <a:t>FINDINGS</a:t>
+            </a:r>
+            <a:endParaRPr lang="en-US" sz="4400" dirty="0">
+              <a:solidFill>
+                <a:schemeClr val="bg1"/>
+              </a:solidFill>
+            </a:endParaRPr>
+          </a:p>
+        </p:txBody>
+      </p:sp>
+      <p:sp>
+        <p:nvSpPr>
+          <p:cNvPr id="13" name="TextBox 12">
+            <a:extLst>
+              <a:ext uri="{FF2B5EF4-FFF2-40B4-BE49-F238E27FC236}">
+                <a16:creationId xmlns:a16="http://schemas.microsoft.com/office/drawing/2014/main" id="{174BB310-5233-D341-87B0-0E4A9ED64D30}"/>
+              </a:ext>
+            </a:extLst>
+          </p:cNvPr>
+          <p:cNvSpPr txBox="1"/>
+          <p:nvPr/>
+        </p:nvSpPr>
+        <p:spPr>
+          <a:xfrm>
+            <a:off x="22595221" y="24584642"/>
+            <a:ext cx="20971603" cy="7478970"/>
+          </a:xfrm>
+          <a:prstGeom prst="rect">
+            <a:avLst/>
+          </a:prstGeom>
+          <a:noFill/>
+        </p:spPr>
+        <p:txBody>
+          <a:bodyPr wrap="square" rtlCol="0">
+            <a:spAutoFit/>
+          </a:bodyPr>
+          <a:lstStyle/>
+          <a:p>
+            <a:pPr algn="just"/>
+            <a:r>
+              <a:rPr lang="en-US" sz="3200" b="1" dirty="0">
+                <a:solidFill>
+                  <a:schemeClr val="accent1"/>
+                </a:solidFill>
+                <a:latin typeface="Open Sans" panose="020B0606030504020204" pitchFamily="34" charset="0"/>
+                <a:ea typeface="Open Sans" panose="020B0606030504020204" pitchFamily="34" charset="0"/>
+                <a:cs typeface="Open Sans" panose="020B0606030504020204" pitchFamily="34" charset="0"/>
+              </a:rPr>
+              <a:t>Exhibit 2: </a:t>
+            </a:r>
+            <a:r>
+              <a:rPr lang="en-US" sz="3200" dirty="0">
+                <a:latin typeface="Open Sans" panose="020B0606030504020204" pitchFamily="34" charset="0"/>
+                <a:ea typeface="Open Sans" panose="020B0606030504020204" pitchFamily="34" charset="0"/>
+                <a:cs typeface="Open Sans" panose="020B0606030504020204" pitchFamily="34" charset="0"/>
+              </a:rPr>
+              <a:t>Distance travelled is not dependent on the age or gender of members. However, a higher volume of subscribing members ride shorter distances. </a:t>
+            </a:r>
+          </a:p>
+          <a:p>
+            <a:pPr algn="just"/>
+            <a:endParaRPr lang="en-US" sz="3200" b="1" dirty="0">
+              <a:solidFill>
+                <a:schemeClr val="accent1"/>
+              </a:solidFill>
+              <a:latin typeface="Open Sans" panose="020B0606030504020204" pitchFamily="34" charset="0"/>
+              <a:ea typeface="Open Sans" panose="020B0606030504020204" pitchFamily="34" charset="0"/>
+              <a:cs typeface="Open Sans" panose="020B0606030504020204" pitchFamily="34" charset="0"/>
+            </a:endParaRPr>
+          </a:p>
+          <a:p>
+            <a:pPr algn="just"/>
+            <a:r>
+              <a:rPr lang="en-US" sz="3200" b="1" dirty="0">
+                <a:solidFill>
+                  <a:schemeClr val="accent1"/>
+                </a:solidFill>
+                <a:latin typeface="Open Sans" panose="020B0606030504020204" pitchFamily="34" charset="0"/>
+                <a:ea typeface="Open Sans" panose="020B0606030504020204" pitchFamily="34" charset="0"/>
+                <a:cs typeface="Open Sans" panose="020B0606030504020204" pitchFamily="34" charset="0"/>
+              </a:rPr>
+              <a:t>Exhibit 4: </a:t>
+            </a:r>
+            <a:r>
+              <a:rPr lang="en-US" sz="3200" dirty="0">
+                <a:latin typeface="Open Sans" panose="020B0606030504020204" pitchFamily="34" charset="0"/>
+                <a:ea typeface="Open Sans" panose="020B0606030504020204" pitchFamily="34" charset="0"/>
+                <a:cs typeface="Open Sans" panose="020B0606030504020204" pitchFamily="34" charset="0"/>
+              </a:rPr>
+              <a:t>By examining bike usage data by each hour of each day, we found that users most frequently use the service during weekday rush hours of 8 </a:t>
+            </a:r>
+            <a:r>
+              <a:rPr lang="en-US" sz="3200" dirty="0" err="1">
+                <a:latin typeface="Open Sans" panose="020B0606030504020204" pitchFamily="34" charset="0"/>
+                <a:ea typeface="Open Sans" panose="020B0606030504020204" pitchFamily="34" charset="0"/>
+                <a:cs typeface="Open Sans" panose="020B0606030504020204" pitchFamily="34" charset="0"/>
+              </a:rPr>
+              <a:t>a.m</a:t>
+            </a:r>
+            <a:r>
+              <a:rPr lang="en-US" sz="3200" dirty="0">
+                <a:latin typeface="Open Sans" panose="020B0606030504020204" pitchFamily="34" charset="0"/>
+                <a:ea typeface="Open Sans" panose="020B0606030504020204" pitchFamily="34" charset="0"/>
+                <a:cs typeface="Open Sans" panose="020B0606030504020204" pitchFamily="34" charset="0"/>
+              </a:rPr>
+              <a:t> and 5 p.m.</a:t>
+            </a:r>
+          </a:p>
+          <a:p>
+            <a:pPr algn="just"/>
+            <a:endParaRPr lang="en-US" sz="3200" dirty="0">
+              <a:latin typeface="Open Sans" panose="020B0606030504020204" pitchFamily="34" charset="0"/>
+              <a:ea typeface="Open Sans" panose="020B0606030504020204" pitchFamily="34" charset="0"/>
+              <a:cs typeface="Open Sans" panose="020B0606030504020204" pitchFamily="34" charset="0"/>
+            </a:endParaRPr>
+          </a:p>
+          <a:p>
+            <a:pPr algn="just"/>
+            <a:r>
+              <a:rPr lang="en-US" sz="3200" b="1" dirty="0">
+                <a:solidFill>
+                  <a:schemeClr val="accent1"/>
+                </a:solidFill>
+                <a:latin typeface="Open Sans" panose="020B0606030504020204" pitchFamily="34" charset="0"/>
+                <a:ea typeface="Open Sans" panose="020B0606030504020204" pitchFamily="34" charset="0"/>
+                <a:cs typeface="Open Sans" panose="020B0606030504020204" pitchFamily="34" charset="0"/>
+              </a:rPr>
+              <a:t>Exhibit 5:</a:t>
+            </a:r>
+            <a:r>
+              <a:rPr lang="en-US" sz="3200" dirty="0">
+                <a:latin typeface="Open Sans" panose="020B0606030504020204" pitchFamily="34" charset="0"/>
+                <a:ea typeface="Open Sans" panose="020B0606030504020204" pitchFamily="34" charset="0"/>
+                <a:cs typeface="Open Sans" panose="020B0606030504020204" pitchFamily="34" charset="0"/>
+              </a:rPr>
+              <a:t> Weekdays saw a large increase in users over the first few months while weekend riders remained steady.</a:t>
+            </a:r>
+          </a:p>
+          <a:p>
+            <a:pPr algn="just"/>
+            <a:endParaRPr lang="en-US" sz="3200" b="1" dirty="0">
+              <a:solidFill>
+                <a:schemeClr val="accent1"/>
+              </a:solidFill>
+              <a:latin typeface="Open Sans" panose="020B0606030504020204" pitchFamily="34" charset="0"/>
+              <a:ea typeface="Open Sans" panose="020B0606030504020204" pitchFamily="34" charset="0"/>
+              <a:cs typeface="Open Sans" panose="020B0606030504020204" pitchFamily="34" charset="0"/>
+            </a:endParaRPr>
+          </a:p>
+          <a:p>
+            <a:pPr algn="just"/>
+            <a:r>
+              <a:rPr lang="en-US" sz="3200" b="1" dirty="0">
+                <a:solidFill>
+                  <a:schemeClr val="accent1"/>
+                </a:solidFill>
+                <a:latin typeface="Open Sans" panose="020B0606030504020204" pitchFamily="34" charset="0"/>
+                <a:ea typeface="Open Sans" panose="020B0606030504020204" pitchFamily="34" charset="0"/>
+                <a:cs typeface="Open Sans" panose="020B0606030504020204" pitchFamily="34" charset="0"/>
+              </a:rPr>
+              <a:t>Exhibit 6: </a:t>
+            </a:r>
+            <a:r>
+              <a:rPr lang="en-US" sz="3200" dirty="0">
+                <a:latin typeface="Open Sans" panose="020B0606030504020204" pitchFamily="34" charset="0"/>
+                <a:ea typeface="Open Sans" panose="020B0606030504020204" pitchFamily="34" charset="0"/>
+                <a:cs typeface="Open Sans" panose="020B0606030504020204" pitchFamily="34" charset="0"/>
+              </a:rPr>
+              <a:t>A group of 3 stations appear to have very similar trends in user numbers while the other two follow different, sometimes opposite trends.</a:t>
+            </a:r>
+            <a:endParaRPr lang="en-US" sz="3200" b="1" dirty="0">
+              <a:solidFill>
+                <a:schemeClr val="accent1"/>
+              </a:solidFill>
+              <a:latin typeface="Open Sans" panose="020B0606030504020204" pitchFamily="34" charset="0"/>
+              <a:ea typeface="Open Sans" panose="020B0606030504020204" pitchFamily="34" charset="0"/>
+              <a:cs typeface="Open Sans" panose="020B0606030504020204" pitchFamily="34" charset="0"/>
+            </a:endParaRPr>
+          </a:p>
+          <a:p>
+            <a:pPr algn="just"/>
+            <a:endParaRPr lang="en-US" sz="3200" b="1" dirty="0">
+              <a:solidFill>
+                <a:schemeClr val="accent1"/>
+              </a:solidFill>
+              <a:latin typeface="Open Sans" panose="020B0606030504020204" pitchFamily="34" charset="0"/>
+              <a:ea typeface="Open Sans" panose="020B0606030504020204" pitchFamily="34" charset="0"/>
+              <a:cs typeface="Open Sans" panose="020B0606030504020204" pitchFamily="34" charset="0"/>
+            </a:endParaRPr>
+          </a:p>
+          <a:p>
+            <a:pPr algn="just"/>
+            <a:r>
+              <a:rPr lang="en-US" sz="3200" b="1" dirty="0">
+                <a:solidFill>
+                  <a:schemeClr val="accent1"/>
+                </a:solidFill>
+                <a:latin typeface="Open Sans" panose="020B0606030504020204" pitchFamily="34" charset="0"/>
+                <a:ea typeface="Open Sans" panose="020B0606030504020204" pitchFamily="34" charset="0"/>
+                <a:cs typeface="Open Sans" panose="020B0606030504020204" pitchFamily="34" charset="0"/>
+              </a:rPr>
+              <a:t>Exhibit 7: </a:t>
+            </a:r>
+          </a:p>
+          <a:p>
+            <a:pPr algn="just"/>
+            <a:endParaRPr lang="en-US" sz="3200" b="1" dirty="0">
+              <a:solidFill>
+                <a:schemeClr val="accent1"/>
+              </a:solidFill>
+              <a:latin typeface="Open Sans" panose="020B0606030504020204" pitchFamily="34" charset="0"/>
+              <a:ea typeface="Open Sans" panose="020B0606030504020204" pitchFamily="34" charset="0"/>
+              <a:cs typeface="Open Sans" panose="020B0606030504020204" pitchFamily="34" charset="0"/>
+            </a:endParaRPr>
+          </a:p>
+          <a:p>
+            <a:pPr algn="just"/>
+            <a:r>
+              <a:rPr lang="en-US" sz="3200" b="1" dirty="0">
+                <a:solidFill>
+                  <a:schemeClr val="accent1"/>
+                </a:solidFill>
+                <a:latin typeface="Open Sans" panose="020B0606030504020204" pitchFamily="34" charset="0"/>
+                <a:ea typeface="Open Sans" panose="020B0606030504020204" pitchFamily="34" charset="0"/>
+                <a:cs typeface="Open Sans" panose="020B0606030504020204" pitchFamily="34" charset="0"/>
+              </a:rPr>
+              <a:t>Exhibit 8: </a:t>
+            </a:r>
+          </a:p>
+        </p:txBody>
+      </p:sp>
+      <p:sp>
+        <p:nvSpPr>
+          <p:cNvPr id="36" name="TextBox 35">
+            <a:extLst>
+              <a:ext uri="{FF2B5EF4-FFF2-40B4-BE49-F238E27FC236}">
+                <a16:creationId xmlns:a16="http://schemas.microsoft.com/office/drawing/2014/main" id="{FA63F74C-F086-F442-BE43-62BFAEC41931}"/>
+              </a:ext>
+            </a:extLst>
+          </p:cNvPr>
+          <p:cNvSpPr txBox="1"/>
+          <p:nvPr/>
+        </p:nvSpPr>
+        <p:spPr>
+          <a:xfrm>
+            <a:off x="33375600" y="5625419"/>
+            <a:ext cx="10191225" cy="769441"/>
+          </a:xfrm>
+          <a:prstGeom prst="rect">
+            <a:avLst/>
+          </a:prstGeom>
+          <a:solidFill>
+            <a:srgbClr val="16406B"/>
+          </a:solidFill>
+        </p:spPr>
+        <p:txBody>
+          <a:bodyPr wrap="square" rtlCol="0">
+            <a:spAutoFit/>
+          </a:bodyPr>
+          <a:lstStyle/>
+          <a:p>
+            <a:pPr algn="ctr"/>
+            <a:r>
+              <a:rPr lang="en-US" sz="4400" b="1" dirty="0">
+                <a:solidFill>
+                  <a:schemeClr val="bg1"/>
+                </a:solidFill>
+                <a:latin typeface="Open Sans" panose="020B0606030504020204" pitchFamily="34" charset="0"/>
+                <a:ea typeface="Open Sans" panose="020B0606030504020204" pitchFamily="34" charset="0"/>
+                <a:cs typeface="Open Sans" panose="020B0606030504020204" pitchFamily="34" charset="0"/>
+              </a:rPr>
+              <a:t>SOMETHING ELSE</a:t>
+            </a:r>
+            <a:endParaRPr lang="en-US" sz="4400" dirty="0">
+              <a:solidFill>
+                <a:schemeClr val="bg1"/>
+              </a:solidFill>
+            </a:endParaRPr>
+          </a:p>
+        </p:txBody>
+      </p:sp>
       <p:pic>
         <p:nvPicPr>
-          <p:cNvPr id="31" name="Picture 30">
+          <p:cNvPr id="38" name="Picture 37">
             <a:extLst>
               <a:ext uri="{FF2B5EF4-FFF2-40B4-BE49-F238E27FC236}">
-                <a16:creationId xmlns:a16="http://schemas.microsoft.com/office/drawing/2014/main" id="{32BF4841-866F-C042-B852-D3145E9BC970}"/>
+                <a16:creationId xmlns:a16="http://schemas.microsoft.com/office/drawing/2014/main" id="{8F1DB828-7713-1446-8E8B-5CFF5277E353}"/>
+              </a:ext>
+            </a:extLst>
+          </p:cNvPr>
+          <p:cNvPicPr>
+            <a:picLocks noChangeAspect="1"/>
+          </p:cNvPicPr>
+          <p:nvPr/>
+        </p:nvPicPr>
+        <p:blipFill>
+          <a:blip r:embed="rId8">
+            <a:extLst>
+              <a:ext uri="{28A0092B-C50C-407E-A947-70E740481C1C}">
+                <a14:useLocalDpi xmlns:a14="http://schemas.microsoft.com/office/drawing/2010/main" val="0"/>
+              </a:ext>
+            </a:extLst>
+          </a:blip>
+          <a:stretch>
+            <a:fillRect/>
+          </a:stretch>
+        </p:blipFill>
+        <p:spPr>
+          <a:xfrm>
+            <a:off x="22131806" y="6542174"/>
+            <a:ext cx="11076357" cy="7911684"/>
+          </a:xfrm>
+          <a:prstGeom prst="rect">
+            <a:avLst/>
+          </a:prstGeom>
+        </p:spPr>
+      </p:pic>
+      <p:pic>
+        <p:nvPicPr>
+          <p:cNvPr id="17" name="Picture 16">
+            <a:extLst>
+              <a:ext uri="{FF2B5EF4-FFF2-40B4-BE49-F238E27FC236}">
+                <a16:creationId xmlns:a16="http://schemas.microsoft.com/office/drawing/2014/main" id="{4D7DA656-D2D7-BD4D-AEA5-15C1194492D7}"/>
               </a:ext>
             </a:extLst>
           </p:cNvPr>
@@ -4931,8 +5034,8 @@
         </p:blipFill>
         <p:spPr>
           <a:xfrm>
-            <a:off x="22361091" y="6768312"/>
-            <a:ext cx="10828671" cy="7734765"/>
+            <a:off x="11014875" y="14821901"/>
+            <a:ext cx="11580346" cy="8446228"/>
           </a:xfrm>
           <a:prstGeom prst="rect">
             <a:avLst/>
@@ -4941,10 +5044,10 @@
       </p:pic>
       <p:pic>
         <p:nvPicPr>
-          <p:cNvPr id="33" name="Picture 32">
+          <p:cNvPr id="41" name="Picture 40">
             <a:extLst>
               <a:ext uri="{FF2B5EF4-FFF2-40B4-BE49-F238E27FC236}">
-                <a16:creationId xmlns:a16="http://schemas.microsoft.com/office/drawing/2014/main" id="{2B804FFD-F501-3E4D-A1F7-897429C527A5}"/>
+                <a16:creationId xmlns:a16="http://schemas.microsoft.com/office/drawing/2014/main" id="{1B1DAF30-09EA-B94A-95EE-A0759BCD0258}"/>
               </a:ext>
             </a:extLst>
           </p:cNvPr>
@@ -4967,64 +5070,44 @@
         </p:blipFill>
         <p:spPr>
           <a:xfrm>
-            <a:off x="22642462" y="14437891"/>
-            <a:ext cx="13035262" cy="9310902"/>
+            <a:off x="22595221" y="14699983"/>
+            <a:ext cx="12335022" cy="8810730"/>
           </a:xfrm>
           <a:prstGeom prst="rect">
             <a:avLst/>
           </a:prstGeom>
         </p:spPr>
       </p:pic>
-      <p:sp>
-        <p:nvSpPr>
-          <p:cNvPr id="34" name="TextBox 33">
+      <p:pic>
+        <p:nvPicPr>
+          <p:cNvPr id="42" name="Picture 41">
             <a:extLst>
               <a:ext uri="{FF2B5EF4-FFF2-40B4-BE49-F238E27FC236}">
-                <a16:creationId xmlns:a16="http://schemas.microsoft.com/office/drawing/2014/main" id="{1210EF60-A5DF-8942-A488-8C827FD78590}"/>
+                <a16:creationId xmlns:a16="http://schemas.microsoft.com/office/drawing/2014/main" id="{8198DE66-EF25-5847-AD2F-673D42B48E83}"/>
               </a:ext>
             </a:extLst>
           </p:cNvPr>
-          <p:cNvSpPr txBox="1"/>
+          <p:cNvPicPr>
+            <a:picLocks noChangeAspect="1"/>
+          </p:cNvPicPr>
           <p:nvPr/>
-        </p:nvSpPr>
+        </p:nvPicPr>
+        <p:blipFill>
+          <a:blip r:embed="rId11"/>
+          <a:stretch>
+            <a:fillRect/>
+          </a:stretch>
+        </p:blipFill>
         <p:spPr>
           <a:xfrm>
-            <a:off x="22361090" y="5625419"/>
-            <a:ext cx="10828672" cy="769441"/>
+            <a:off x="13974867" y="13855164"/>
+            <a:ext cx="5429977" cy="799217"/>
           </a:xfrm>
           <a:prstGeom prst="rect">
             <a:avLst/>
           </a:prstGeom>
-          <a:solidFill>
-            <a:srgbClr val="16406B"/>
-          </a:solidFill>
         </p:spPr>
-        <p:txBody>
-          <a:bodyPr wrap="square" rtlCol="0">
-            <a:spAutoFit/>
-          </a:bodyPr>
-          <a:lstStyle/>
-          <a:p>
-            <a:pPr algn="ctr"/>
-            <a:r>
-              <a:rPr lang="en-US" sz="4400" b="1" dirty="0">
-                <a:solidFill>
-                  <a:schemeClr val="bg1"/>
-                </a:solidFill>
-                <a:latin typeface="Open Sans" panose="020B0606030504020204" pitchFamily="34" charset="0"/>
-                <a:ea typeface="Open Sans" panose="020B0606030504020204" pitchFamily="34" charset="0"/>
-                <a:cs typeface="Open Sans" panose="020B0606030504020204" pitchFamily="34" charset="0"/>
-              </a:rPr>
-              <a:t>TIME SERIES</a:t>
-            </a:r>
-            <a:endParaRPr lang="en-US" sz="4400" dirty="0">
-              <a:solidFill>
-                <a:schemeClr val="bg1"/>
-              </a:solidFill>
-            </a:endParaRPr>
-          </a:p>
-        </p:txBody>
-      </p:sp>
+      </p:pic>
     </p:spTree>
     <p:extLst>
       <p:ext uri="{BB962C8B-B14F-4D97-AF65-F5344CB8AC3E}">
